--- a/Yu Feng CRC-fungi-Re1 (JY)/S_fig3-Re1 (JY).pptx
+++ b/Yu Feng CRC-fungi-Re1 (JY)/S_fig3-Re1 (JY).pptx
@@ -2,7 +2,7 @@
 <file path=ppt/presentation.xml><?xml version="1.0" encoding="utf-8"?>
 <p:presentation xmlns:a="http://schemas.openxmlformats.org/drawingml/2006/main" xmlns:r="http://schemas.openxmlformats.org/officeDocument/2006/relationships" xmlns:p="http://schemas.openxmlformats.org/presentationml/2006/main" saveSubsetFonts="1">
   <p:sldMasterIdLst>
-    <p:sldMasterId id="2147483660" r:id="rId1"/>
+    <p:sldMasterId id="2147483648" r:id="rId1"/>
   </p:sldMasterIdLst>
   <p:notesMasterIdLst>
     <p:notesMasterId r:id="rId3"/>
@@ -10,13 +10,13 @@
   <p:sldIdLst>
     <p:sldId id="256" r:id="rId2"/>
   </p:sldIdLst>
-  <p:sldSz cx="10080625" cy="8999538"/>
+  <p:sldSz cx="12192000" cy="6858000"/>
   <p:notesSz cx="6858000" cy="9144000"/>
   <p:defaultTextStyle>
     <a:defPPr>
-      <a:defRPr lang="en-US"/>
+      <a:defRPr lang="zh-CN"/>
     </a:defPPr>
-    <a:lvl1pPr marL="0" algn="l" defTabSz="457200" rtl="0" eaLnBrk="1" latinLnBrk="0" hangingPunct="1">
+    <a:lvl1pPr marL="0" algn="l" defTabSz="914400" rtl="0" eaLnBrk="1" latinLnBrk="0" hangingPunct="1">
       <a:defRPr sz="1800" kern="1200">
         <a:solidFill>
           <a:schemeClr val="tx1"/>
@@ -26,7 +26,7 @@
         <a:cs typeface="+mn-cs"/>
       </a:defRPr>
     </a:lvl1pPr>
-    <a:lvl2pPr marL="457200" algn="l" defTabSz="457200" rtl="0" eaLnBrk="1" latinLnBrk="0" hangingPunct="1">
+    <a:lvl2pPr marL="457200" algn="l" defTabSz="914400" rtl="0" eaLnBrk="1" latinLnBrk="0" hangingPunct="1">
       <a:defRPr sz="1800" kern="1200">
         <a:solidFill>
           <a:schemeClr val="tx1"/>
@@ -36,7 +36,7 @@
         <a:cs typeface="+mn-cs"/>
       </a:defRPr>
     </a:lvl2pPr>
-    <a:lvl3pPr marL="914400" algn="l" defTabSz="457200" rtl="0" eaLnBrk="1" latinLnBrk="0" hangingPunct="1">
+    <a:lvl3pPr marL="914400" algn="l" defTabSz="914400" rtl="0" eaLnBrk="1" latinLnBrk="0" hangingPunct="1">
       <a:defRPr sz="1800" kern="1200">
         <a:solidFill>
           <a:schemeClr val="tx1"/>
@@ -46,7 +46,7 @@
         <a:cs typeface="+mn-cs"/>
       </a:defRPr>
     </a:lvl3pPr>
-    <a:lvl4pPr marL="1371600" algn="l" defTabSz="457200" rtl="0" eaLnBrk="1" latinLnBrk="0" hangingPunct="1">
+    <a:lvl4pPr marL="1371600" algn="l" defTabSz="914400" rtl="0" eaLnBrk="1" latinLnBrk="0" hangingPunct="1">
       <a:defRPr sz="1800" kern="1200">
         <a:solidFill>
           <a:schemeClr val="tx1"/>
@@ -56,7 +56,7 @@
         <a:cs typeface="+mn-cs"/>
       </a:defRPr>
     </a:lvl4pPr>
-    <a:lvl5pPr marL="1828800" algn="l" defTabSz="457200" rtl="0" eaLnBrk="1" latinLnBrk="0" hangingPunct="1">
+    <a:lvl5pPr marL="1828800" algn="l" defTabSz="914400" rtl="0" eaLnBrk="1" latinLnBrk="0" hangingPunct="1">
       <a:defRPr sz="1800" kern="1200">
         <a:solidFill>
           <a:schemeClr val="tx1"/>
@@ -66,7 +66,7 @@
         <a:cs typeface="+mn-cs"/>
       </a:defRPr>
     </a:lvl5pPr>
-    <a:lvl6pPr marL="2286000" algn="l" defTabSz="457200" rtl="0" eaLnBrk="1" latinLnBrk="0" hangingPunct="1">
+    <a:lvl6pPr marL="2286000" algn="l" defTabSz="914400" rtl="0" eaLnBrk="1" latinLnBrk="0" hangingPunct="1">
       <a:defRPr sz="1800" kern="1200">
         <a:solidFill>
           <a:schemeClr val="tx1"/>
@@ -76,7 +76,7 @@
         <a:cs typeface="+mn-cs"/>
       </a:defRPr>
     </a:lvl6pPr>
-    <a:lvl7pPr marL="2743200" algn="l" defTabSz="457200" rtl="0" eaLnBrk="1" latinLnBrk="0" hangingPunct="1">
+    <a:lvl7pPr marL="2743200" algn="l" defTabSz="914400" rtl="0" eaLnBrk="1" latinLnBrk="0" hangingPunct="1">
       <a:defRPr sz="1800" kern="1200">
         <a:solidFill>
           <a:schemeClr val="tx1"/>
@@ -86,7 +86,7 @@
         <a:cs typeface="+mn-cs"/>
       </a:defRPr>
     </a:lvl7pPr>
-    <a:lvl8pPr marL="3200400" algn="l" defTabSz="457200" rtl="0" eaLnBrk="1" latinLnBrk="0" hangingPunct="1">
+    <a:lvl8pPr marL="3200400" algn="l" defTabSz="914400" rtl="0" eaLnBrk="1" latinLnBrk="0" hangingPunct="1">
       <a:defRPr sz="1800" kern="1200">
         <a:solidFill>
           <a:schemeClr val="tx1"/>
@@ -96,7 +96,7 @@
         <a:cs typeface="+mn-cs"/>
       </a:defRPr>
     </a:lvl8pPr>
-    <a:lvl9pPr marL="3657600" algn="l" defTabSz="457200" rtl="0" eaLnBrk="1" latinLnBrk="0" hangingPunct="1">
+    <a:lvl9pPr marL="3657600" algn="l" defTabSz="914400" rtl="0" eaLnBrk="1" latinLnBrk="0" hangingPunct="1">
       <a:defRPr sz="1800" kern="1200">
         <a:solidFill>
           <a:schemeClr val="tx1"/>
@@ -117,7 +117,7 @@
 
 <file path=ppt/commentAuthors.xml><?xml version="1.0" encoding="utf-8"?>
 <p:cmAuthorLst xmlns:a="http://schemas.openxmlformats.org/drawingml/2006/main" xmlns:r="http://schemas.openxmlformats.org/officeDocument/2006/relationships" xmlns:p="http://schemas.openxmlformats.org/presentationml/2006/main">
-  <p:cmAuthor id="1" name="Jun Yu (MEDT)" initials="JY(" lastIdx="1" clrIdx="0">
+  <p:cmAuthor id="1" name="Jun Yu (MEDT)" initials="JY(" lastIdx="2" clrIdx="0">
     <p:extLst>
       <p:ext uri="{19B8F6BF-5375-455C-9EA6-DF929625EA0E}">
         <p15:presenceInfo xmlns:p15="http://schemas.microsoft.com/office/powerpoint/2012/main" userId="Jun Yu (MEDT)" providerId="None"/>
@@ -127,20 +127,11 @@
 </p:cmAuthorLst>
 </file>
 
-<file path=ppt/revisionInfo.xml><?xml version="1.0" encoding="utf-8"?>
-<p1510:revInfo xmlns:a="http://schemas.openxmlformats.org/drawingml/2006/main" xmlns:r="http://schemas.openxmlformats.org/officeDocument/2006/relationships" xmlns:p1510="http://schemas.microsoft.com/office/powerpoint/2015/10/main">
-  <p1510:revLst>
-    <p1510:client id="{908C0A9C-5796-4260-81C3-F54639A777A1}" v="1" dt="2021-10-08T07:39:34.196"/>
-    <p1510:client id="{200715E5-6DCC-4DA3-AED2-3E1711663B46}" v="1" dt="2021-10-08T07:13:15.607"/>
-  </p1510:revLst>
-</p1510:revInfo>
-</file>
-
 <file path=ppt/comments/comment1.xml><?xml version="1.0" encoding="utf-8"?>
 <p:cmLst xmlns:a="http://schemas.openxmlformats.org/drawingml/2006/main" xmlns:r="http://schemas.openxmlformats.org/officeDocument/2006/relationships" xmlns:p="http://schemas.openxmlformats.org/presentationml/2006/main">
-  <p:cm authorId="1" dt="2021-10-19T10:14:37.824" idx="1">
-    <p:pos x="1002" y="4246"/>
-    <p:text>add S Fig legend</p:text>
+  <p:cm authorId="1" dt="2021-10-19T10:06:33.386" idx="1">
+    <p:pos x="3987" y="2439"/>
+    <p:text>increase the fond size for all the word lableing</p:text>
     <p:extLst>
       <p:ext uri="{C676402C-5697-4E1C-873F-D02D1690AC5C}">
         <p15:threadingInfo xmlns:p15="http://schemas.microsoft.com/office/powerpoint/2012/main" timeZoneBias="-480"/>
@@ -232,7 +223,7 @@
           <a:p>
             <a:fld id="{AA548A79-DF5C-42BC-A964-9ADB8699366B}" type="datetimeFigureOut">
               <a:rPr lang="zh-CN" altLang="en-US" smtClean="0"/>
-              <a:t>2021/10/19</a:t>
+              <a:t>2021/10/22</a:t>
             </a:fld>
             <a:endParaRPr lang="zh-CN" altLang="en-US"/>
           </a:p>
@@ -250,8 +241,8 @@
         </p:nvSpPr>
         <p:spPr>
           <a:xfrm>
-            <a:off x="1700213" y="1143000"/>
-            <a:ext cx="3457575" cy="3086100"/>
+            <a:off x="685800" y="1143000"/>
+            <a:ext cx="5486400" cy="3086100"/>
           </a:xfrm>
           <a:prstGeom prst="rect">
             <a:avLst/>
@@ -527,12 +518,7 @@
             <p:ph type="sldImg"/>
           </p:nvPr>
         </p:nvSpPr>
-        <p:spPr>
-          <a:xfrm>
-            <a:off x="1700213" y="1143000"/>
-            <a:ext cx="3457575" cy="3086100"/>
-          </a:xfrm>
-        </p:spPr>
+        <p:spPr/>
       </p:sp>
       <p:sp>
         <p:nvSpPr>
@@ -608,7 +594,13 @@
       </p:grpSpPr>
       <p:sp>
         <p:nvSpPr>
-          <p:cNvPr id="2" name="Title 1"/>
+          <p:cNvPr id="2" name="Title 1">
+            <a:extLst>
+              <a:ext uri="{FF2B5EF4-FFF2-40B4-BE49-F238E27FC236}">
+                <a16:creationId xmlns:a16="http://schemas.microsoft.com/office/drawing/2014/main" id="{53B1D680-7138-45B2-BA66-688654A2FB6B}"/>
+              </a:ext>
+            </a:extLst>
+          </p:cNvPr>
           <p:cNvSpPr>
             <a:spLocks noGrp="1"/>
           </p:cNvSpPr>
@@ -618,29 +610,35 @@
         </p:nvSpPr>
         <p:spPr>
           <a:xfrm>
-            <a:off x="756047" y="1472842"/>
-            <a:ext cx="8568531" cy="3133172"/>
+            <a:off x="1524000" y="1122363"/>
+            <a:ext cx="9144000" cy="2387600"/>
           </a:xfrm>
         </p:spPr>
         <p:txBody>
           <a:bodyPr anchor="b"/>
           <a:lstStyle>
             <a:lvl1pPr algn="ctr">
-              <a:defRPr sz="6614"/>
+              <a:defRPr sz="6000"/>
             </a:lvl1pPr>
           </a:lstStyle>
           <a:p>
             <a:r>
-              <a:rPr lang="en-US"/>
+              <a:rPr lang="en-US" altLang="zh-CN"/>
               <a:t>Click to edit Master title style</a:t>
             </a:r>
-            <a:endParaRPr lang="en-US" dirty="0"/>
-          </a:p>
-        </p:txBody>
-      </p:sp>
-      <p:sp>
-        <p:nvSpPr>
-          <p:cNvPr id="3" name="Subtitle 2"/>
+            <a:endParaRPr lang="zh-CN" altLang="en-US"/>
+          </a:p>
+        </p:txBody>
+      </p:sp>
+      <p:sp>
+        <p:nvSpPr>
+          <p:cNvPr id="3" name="Subtitle 2">
+            <a:extLst>
+              <a:ext uri="{FF2B5EF4-FFF2-40B4-BE49-F238E27FC236}">
+                <a16:creationId xmlns:a16="http://schemas.microsoft.com/office/drawing/2014/main" id="{B7118576-0342-4C65-82C1-0B0BC2422107}"/>
+              </a:ext>
+            </a:extLst>
+          </p:cNvPr>
           <p:cNvSpPr>
             <a:spLocks noGrp="1"/>
           </p:cNvSpPr>
@@ -650,8 +648,8 @@
         </p:nvSpPr>
         <p:spPr>
           <a:xfrm>
-            <a:off x="1260078" y="4726842"/>
-            <a:ext cx="7560469" cy="2172804"/>
+            <a:off x="1524000" y="3602038"/>
+            <a:ext cx="9144000" cy="1655762"/>
           </a:xfrm>
         </p:spPr>
         <p:txBody>
@@ -659,53 +657,59 @@
           <a:lstStyle>
             <a:lvl1pPr marL="0" indent="0" algn="ctr">
               <a:buNone/>
-              <a:defRPr sz="2646"/>
+              <a:defRPr sz="2400"/>
             </a:lvl1pPr>
-            <a:lvl2pPr marL="504017" indent="0" algn="ctr">
-              <a:buNone/>
-              <a:defRPr sz="2205"/>
+            <a:lvl2pPr marL="457200" indent="0" algn="ctr">
+              <a:buNone/>
+              <a:defRPr sz="2000"/>
             </a:lvl2pPr>
-            <a:lvl3pPr marL="1008035" indent="0" algn="ctr">
-              <a:buNone/>
-              <a:defRPr sz="1984"/>
+            <a:lvl3pPr marL="914400" indent="0" algn="ctr">
+              <a:buNone/>
+              <a:defRPr sz="1800"/>
             </a:lvl3pPr>
-            <a:lvl4pPr marL="1512052" indent="0" algn="ctr">
-              <a:buNone/>
-              <a:defRPr sz="1764"/>
+            <a:lvl4pPr marL="1371600" indent="0" algn="ctr">
+              <a:buNone/>
+              <a:defRPr sz="1600"/>
             </a:lvl4pPr>
-            <a:lvl5pPr marL="2016069" indent="0" algn="ctr">
-              <a:buNone/>
-              <a:defRPr sz="1764"/>
+            <a:lvl5pPr marL="1828800" indent="0" algn="ctr">
+              <a:buNone/>
+              <a:defRPr sz="1600"/>
             </a:lvl5pPr>
-            <a:lvl6pPr marL="2520086" indent="0" algn="ctr">
-              <a:buNone/>
-              <a:defRPr sz="1764"/>
+            <a:lvl6pPr marL="2286000" indent="0" algn="ctr">
+              <a:buNone/>
+              <a:defRPr sz="1600"/>
             </a:lvl6pPr>
-            <a:lvl7pPr marL="3024104" indent="0" algn="ctr">
-              <a:buNone/>
-              <a:defRPr sz="1764"/>
+            <a:lvl7pPr marL="2743200" indent="0" algn="ctr">
+              <a:buNone/>
+              <a:defRPr sz="1600"/>
             </a:lvl7pPr>
-            <a:lvl8pPr marL="3528121" indent="0" algn="ctr">
-              <a:buNone/>
-              <a:defRPr sz="1764"/>
+            <a:lvl8pPr marL="3200400" indent="0" algn="ctr">
+              <a:buNone/>
+              <a:defRPr sz="1600"/>
             </a:lvl8pPr>
-            <a:lvl9pPr marL="4032138" indent="0" algn="ctr">
-              <a:buNone/>
-              <a:defRPr sz="1764"/>
+            <a:lvl9pPr marL="3657600" indent="0" algn="ctr">
+              <a:buNone/>
+              <a:defRPr sz="1600"/>
             </a:lvl9pPr>
           </a:lstStyle>
           <a:p>
             <a:r>
-              <a:rPr lang="en-US"/>
+              <a:rPr lang="en-US" altLang="zh-CN"/>
               <a:t>Click to edit Master subtitle style</a:t>
             </a:r>
-            <a:endParaRPr lang="en-US" dirty="0"/>
-          </a:p>
-        </p:txBody>
-      </p:sp>
-      <p:sp>
-        <p:nvSpPr>
-          <p:cNvPr id="4" name="Date Placeholder 3"/>
+            <a:endParaRPr lang="zh-CN" altLang="en-US"/>
+          </a:p>
+        </p:txBody>
+      </p:sp>
+      <p:sp>
+        <p:nvSpPr>
+          <p:cNvPr id="4" name="Date Placeholder 3">
+            <a:extLst>
+              <a:ext uri="{FF2B5EF4-FFF2-40B4-BE49-F238E27FC236}">
+                <a16:creationId xmlns:a16="http://schemas.microsoft.com/office/drawing/2014/main" id="{65271E58-CC43-47D7-9AE2-9ED2BE42E0B0}"/>
+              </a:ext>
+            </a:extLst>
+          </p:cNvPr>
           <p:cNvSpPr>
             <a:spLocks noGrp="1"/>
           </p:cNvSpPr>
@@ -720,7 +724,7 @@
           <a:p>
             <a:fld id="{C21F6666-3EDE-4E8B-BC82-F371B9B084D1}" type="datetimeFigureOut">
               <a:rPr lang="zh-CN" altLang="en-US" smtClean="0"/>
-              <a:t>2021/10/19</a:t>
+              <a:t>2021/10/22</a:t>
             </a:fld>
             <a:endParaRPr lang="zh-CN" altLang="en-US"/>
           </a:p>
@@ -728,7 +732,13 @@
       </p:sp>
       <p:sp>
         <p:nvSpPr>
-          <p:cNvPr id="5" name="Footer Placeholder 4"/>
+          <p:cNvPr id="5" name="Footer Placeholder 4">
+            <a:extLst>
+              <a:ext uri="{FF2B5EF4-FFF2-40B4-BE49-F238E27FC236}">
+                <a16:creationId xmlns:a16="http://schemas.microsoft.com/office/drawing/2014/main" id="{41E497BE-7849-4454-9B9D-5110DA2AEB87}"/>
+              </a:ext>
+            </a:extLst>
+          </p:cNvPr>
           <p:cNvSpPr>
             <a:spLocks noGrp="1"/>
           </p:cNvSpPr>
@@ -747,7 +757,13 @@
       </p:sp>
       <p:sp>
         <p:nvSpPr>
-          <p:cNvPr id="6" name="Slide Number Placeholder 5"/>
+          <p:cNvPr id="6" name="Slide Number Placeholder 5">
+            <a:extLst>
+              <a:ext uri="{FF2B5EF4-FFF2-40B4-BE49-F238E27FC236}">
+                <a16:creationId xmlns:a16="http://schemas.microsoft.com/office/drawing/2014/main" id="{9CD15EAA-094C-4FCF-A5DD-AD0E52871917}"/>
+              </a:ext>
+            </a:extLst>
+          </p:cNvPr>
           <p:cNvSpPr>
             <a:spLocks noGrp="1"/>
           </p:cNvSpPr>
@@ -771,7 +787,7 @@
     </p:spTree>
     <p:extLst>
       <p:ext uri="{BB962C8B-B14F-4D97-AF65-F5344CB8AC3E}">
-        <p14:creationId xmlns:p14="http://schemas.microsoft.com/office/powerpoint/2010/main" val="520850997"/>
+        <p14:creationId xmlns:p14="http://schemas.microsoft.com/office/powerpoint/2010/main" val="2138938514"/>
       </p:ext>
     </p:extLst>
   </p:cSld>
@@ -800,7 +816,13 @@
       </p:grpSpPr>
       <p:sp>
         <p:nvSpPr>
-          <p:cNvPr id="2" name="Title 1"/>
+          <p:cNvPr id="2" name="Title 1">
+            <a:extLst>
+              <a:ext uri="{FF2B5EF4-FFF2-40B4-BE49-F238E27FC236}">
+                <a16:creationId xmlns:a16="http://schemas.microsoft.com/office/drawing/2014/main" id="{FD7EBEC5-2614-4A51-A8CB-F9040920C9A0}"/>
+              </a:ext>
+            </a:extLst>
+          </p:cNvPr>
           <p:cNvSpPr>
             <a:spLocks noGrp="1"/>
           </p:cNvSpPr>
@@ -814,16 +836,22 @@
           <a:lstStyle/>
           <a:p>
             <a:r>
-              <a:rPr lang="en-US"/>
+              <a:rPr lang="en-US" altLang="zh-CN"/>
               <a:t>Click to edit Master title style</a:t>
             </a:r>
-            <a:endParaRPr lang="en-US" dirty="0"/>
-          </a:p>
-        </p:txBody>
-      </p:sp>
-      <p:sp>
-        <p:nvSpPr>
-          <p:cNvPr id="3" name="Vertical Text Placeholder 2"/>
+            <a:endParaRPr lang="zh-CN" altLang="en-US"/>
+          </a:p>
+        </p:txBody>
+      </p:sp>
+      <p:sp>
+        <p:nvSpPr>
+          <p:cNvPr id="3" name="Vertical Text Placeholder 2">
+            <a:extLst>
+              <a:ext uri="{FF2B5EF4-FFF2-40B4-BE49-F238E27FC236}">
+                <a16:creationId xmlns:a16="http://schemas.microsoft.com/office/drawing/2014/main" id="{5DB1AF10-69FA-4634-B7C6-001B6B7596CA}"/>
+              </a:ext>
+            </a:extLst>
+          </p:cNvPr>
           <p:cNvSpPr>
             <a:spLocks noGrp="1"/>
           </p:cNvSpPr>
@@ -838,44 +866,50 @@
           <a:p>
             <a:pPr lvl="0"/>
             <a:r>
-              <a:rPr lang="en-US"/>
-              <a:t>Edit Master text styles</a:t>
+              <a:rPr lang="en-US" altLang="zh-CN"/>
+              <a:t>Click to edit Master text styles</a:t>
             </a:r>
           </a:p>
           <a:p>
             <a:pPr lvl="1"/>
             <a:r>
-              <a:rPr lang="en-US"/>
+              <a:rPr lang="en-US" altLang="zh-CN"/>
               <a:t>Second level</a:t>
             </a:r>
           </a:p>
           <a:p>
             <a:pPr lvl="2"/>
             <a:r>
-              <a:rPr lang="en-US"/>
+              <a:rPr lang="en-US" altLang="zh-CN"/>
               <a:t>Third level</a:t>
             </a:r>
           </a:p>
           <a:p>
             <a:pPr lvl="3"/>
             <a:r>
-              <a:rPr lang="en-US"/>
+              <a:rPr lang="en-US" altLang="zh-CN"/>
               <a:t>Fourth level</a:t>
             </a:r>
           </a:p>
           <a:p>
             <a:pPr lvl="4"/>
             <a:r>
-              <a:rPr lang="en-US"/>
+              <a:rPr lang="en-US" altLang="zh-CN"/>
               <a:t>Fifth level</a:t>
             </a:r>
-            <a:endParaRPr lang="en-US" dirty="0"/>
-          </a:p>
-        </p:txBody>
-      </p:sp>
-      <p:sp>
-        <p:nvSpPr>
-          <p:cNvPr id="4" name="Date Placeholder 3"/>
+            <a:endParaRPr lang="zh-CN" altLang="en-US"/>
+          </a:p>
+        </p:txBody>
+      </p:sp>
+      <p:sp>
+        <p:nvSpPr>
+          <p:cNvPr id="4" name="Date Placeholder 3">
+            <a:extLst>
+              <a:ext uri="{FF2B5EF4-FFF2-40B4-BE49-F238E27FC236}">
+                <a16:creationId xmlns:a16="http://schemas.microsoft.com/office/drawing/2014/main" id="{0B9218EB-F593-49D9-8020-ACD5AD2B9FC9}"/>
+              </a:ext>
+            </a:extLst>
+          </p:cNvPr>
           <p:cNvSpPr>
             <a:spLocks noGrp="1"/>
           </p:cNvSpPr>
@@ -890,7 +924,7 @@
           <a:p>
             <a:fld id="{C21F6666-3EDE-4E8B-BC82-F371B9B084D1}" type="datetimeFigureOut">
               <a:rPr lang="zh-CN" altLang="en-US" smtClean="0"/>
-              <a:t>2021/10/19</a:t>
+              <a:t>2021/10/22</a:t>
             </a:fld>
             <a:endParaRPr lang="zh-CN" altLang="en-US"/>
           </a:p>
@@ -898,7 +932,13 @@
       </p:sp>
       <p:sp>
         <p:nvSpPr>
-          <p:cNvPr id="5" name="Footer Placeholder 4"/>
+          <p:cNvPr id="5" name="Footer Placeholder 4">
+            <a:extLst>
+              <a:ext uri="{FF2B5EF4-FFF2-40B4-BE49-F238E27FC236}">
+                <a16:creationId xmlns:a16="http://schemas.microsoft.com/office/drawing/2014/main" id="{DBBB3384-043C-41A7-97BC-E73FA298C362}"/>
+              </a:ext>
+            </a:extLst>
+          </p:cNvPr>
           <p:cNvSpPr>
             <a:spLocks noGrp="1"/>
           </p:cNvSpPr>
@@ -917,7 +957,13 @@
       </p:sp>
       <p:sp>
         <p:nvSpPr>
-          <p:cNvPr id="6" name="Slide Number Placeholder 5"/>
+          <p:cNvPr id="6" name="Slide Number Placeholder 5">
+            <a:extLst>
+              <a:ext uri="{FF2B5EF4-FFF2-40B4-BE49-F238E27FC236}">
+                <a16:creationId xmlns:a16="http://schemas.microsoft.com/office/drawing/2014/main" id="{45985377-1338-44FD-AB41-78E4BC872E65}"/>
+              </a:ext>
+            </a:extLst>
+          </p:cNvPr>
           <p:cNvSpPr>
             <a:spLocks noGrp="1"/>
           </p:cNvSpPr>
@@ -941,7 +987,7 @@
     </p:spTree>
     <p:extLst>
       <p:ext uri="{BB962C8B-B14F-4D97-AF65-F5344CB8AC3E}">
-        <p14:creationId xmlns:p14="http://schemas.microsoft.com/office/powerpoint/2010/main" val="1322799270"/>
+        <p14:creationId xmlns:p14="http://schemas.microsoft.com/office/powerpoint/2010/main" val="2348869001"/>
       </p:ext>
     </p:extLst>
   </p:cSld>
@@ -970,7 +1016,13 @@
       </p:grpSpPr>
       <p:sp>
         <p:nvSpPr>
-          <p:cNvPr id="2" name="Vertical Title 1"/>
+          <p:cNvPr id="2" name="Vertical Title 1">
+            <a:extLst>
+              <a:ext uri="{FF2B5EF4-FFF2-40B4-BE49-F238E27FC236}">
+                <a16:creationId xmlns:a16="http://schemas.microsoft.com/office/drawing/2014/main" id="{59A5564D-0DC6-4EBF-B795-7951C09BB1A9}"/>
+              </a:ext>
+            </a:extLst>
+          </p:cNvPr>
           <p:cNvSpPr>
             <a:spLocks noGrp="1"/>
           </p:cNvSpPr>
@@ -980,8 +1032,8 @@
         </p:nvSpPr>
         <p:spPr>
           <a:xfrm>
-            <a:off x="7213948" y="479142"/>
-            <a:ext cx="2173635" cy="7626692"/>
+            <a:off x="8724900" y="365125"/>
+            <a:ext cx="2628900" cy="5811838"/>
           </a:xfrm>
         </p:spPr>
         <p:txBody>
@@ -989,16 +1041,22 @@
           <a:lstStyle/>
           <a:p>
             <a:r>
-              <a:rPr lang="en-US"/>
+              <a:rPr lang="en-US" altLang="zh-CN"/>
               <a:t>Click to edit Master title style</a:t>
             </a:r>
-            <a:endParaRPr lang="en-US" dirty="0"/>
-          </a:p>
-        </p:txBody>
-      </p:sp>
-      <p:sp>
-        <p:nvSpPr>
-          <p:cNvPr id="3" name="Vertical Text Placeholder 2"/>
+            <a:endParaRPr lang="zh-CN" altLang="en-US"/>
+          </a:p>
+        </p:txBody>
+      </p:sp>
+      <p:sp>
+        <p:nvSpPr>
+          <p:cNvPr id="3" name="Vertical Text Placeholder 2">
+            <a:extLst>
+              <a:ext uri="{FF2B5EF4-FFF2-40B4-BE49-F238E27FC236}">
+                <a16:creationId xmlns:a16="http://schemas.microsoft.com/office/drawing/2014/main" id="{30F53E33-4110-4E07-A462-0A6E9EA3DB0E}"/>
+              </a:ext>
+            </a:extLst>
+          </p:cNvPr>
           <p:cNvSpPr>
             <a:spLocks noGrp="1"/>
           </p:cNvSpPr>
@@ -1008,8 +1066,8 @@
         </p:nvSpPr>
         <p:spPr>
           <a:xfrm>
-            <a:off x="693044" y="479142"/>
-            <a:ext cx="6394896" cy="7626692"/>
+            <a:off x="838200" y="365125"/>
+            <a:ext cx="7734300" cy="5811838"/>
           </a:xfrm>
         </p:spPr>
         <p:txBody>
@@ -1018,44 +1076,50 @@
           <a:p>
             <a:pPr lvl="0"/>
             <a:r>
-              <a:rPr lang="en-US"/>
-              <a:t>Edit Master text styles</a:t>
+              <a:rPr lang="en-US" altLang="zh-CN"/>
+              <a:t>Click to edit Master text styles</a:t>
             </a:r>
           </a:p>
           <a:p>
             <a:pPr lvl="1"/>
             <a:r>
-              <a:rPr lang="en-US"/>
+              <a:rPr lang="en-US" altLang="zh-CN"/>
               <a:t>Second level</a:t>
             </a:r>
           </a:p>
           <a:p>
             <a:pPr lvl="2"/>
             <a:r>
-              <a:rPr lang="en-US"/>
+              <a:rPr lang="en-US" altLang="zh-CN"/>
               <a:t>Third level</a:t>
             </a:r>
           </a:p>
           <a:p>
             <a:pPr lvl="3"/>
             <a:r>
-              <a:rPr lang="en-US"/>
+              <a:rPr lang="en-US" altLang="zh-CN"/>
               <a:t>Fourth level</a:t>
             </a:r>
           </a:p>
           <a:p>
             <a:pPr lvl="4"/>
             <a:r>
-              <a:rPr lang="en-US"/>
+              <a:rPr lang="en-US" altLang="zh-CN"/>
               <a:t>Fifth level</a:t>
             </a:r>
-            <a:endParaRPr lang="en-US" dirty="0"/>
-          </a:p>
-        </p:txBody>
-      </p:sp>
-      <p:sp>
-        <p:nvSpPr>
-          <p:cNvPr id="4" name="Date Placeholder 3"/>
+            <a:endParaRPr lang="zh-CN" altLang="en-US"/>
+          </a:p>
+        </p:txBody>
+      </p:sp>
+      <p:sp>
+        <p:nvSpPr>
+          <p:cNvPr id="4" name="Date Placeholder 3">
+            <a:extLst>
+              <a:ext uri="{FF2B5EF4-FFF2-40B4-BE49-F238E27FC236}">
+                <a16:creationId xmlns:a16="http://schemas.microsoft.com/office/drawing/2014/main" id="{1E737CBE-7822-4406-9354-D4A5307951AC}"/>
+              </a:ext>
+            </a:extLst>
+          </p:cNvPr>
           <p:cNvSpPr>
             <a:spLocks noGrp="1"/>
           </p:cNvSpPr>
@@ -1070,7 +1134,7 @@
           <a:p>
             <a:fld id="{C21F6666-3EDE-4E8B-BC82-F371B9B084D1}" type="datetimeFigureOut">
               <a:rPr lang="zh-CN" altLang="en-US" smtClean="0"/>
-              <a:t>2021/10/19</a:t>
+              <a:t>2021/10/22</a:t>
             </a:fld>
             <a:endParaRPr lang="zh-CN" altLang="en-US"/>
           </a:p>
@@ -1078,7 +1142,13 @@
       </p:sp>
       <p:sp>
         <p:nvSpPr>
-          <p:cNvPr id="5" name="Footer Placeholder 4"/>
+          <p:cNvPr id="5" name="Footer Placeholder 4">
+            <a:extLst>
+              <a:ext uri="{FF2B5EF4-FFF2-40B4-BE49-F238E27FC236}">
+                <a16:creationId xmlns:a16="http://schemas.microsoft.com/office/drawing/2014/main" id="{3AEB6A1E-F724-4D13-B4B9-3D95EB4383F0}"/>
+              </a:ext>
+            </a:extLst>
+          </p:cNvPr>
           <p:cNvSpPr>
             <a:spLocks noGrp="1"/>
           </p:cNvSpPr>
@@ -1097,7 +1167,13 @@
       </p:sp>
       <p:sp>
         <p:nvSpPr>
-          <p:cNvPr id="6" name="Slide Number Placeholder 5"/>
+          <p:cNvPr id="6" name="Slide Number Placeholder 5">
+            <a:extLst>
+              <a:ext uri="{FF2B5EF4-FFF2-40B4-BE49-F238E27FC236}">
+                <a16:creationId xmlns:a16="http://schemas.microsoft.com/office/drawing/2014/main" id="{42F602E9-C897-4522-B303-7041CF389297}"/>
+              </a:ext>
+            </a:extLst>
+          </p:cNvPr>
           <p:cNvSpPr>
             <a:spLocks noGrp="1"/>
           </p:cNvSpPr>
@@ -1121,7 +1197,7 @@
     </p:spTree>
     <p:extLst>
       <p:ext uri="{BB962C8B-B14F-4D97-AF65-F5344CB8AC3E}">
-        <p14:creationId xmlns:p14="http://schemas.microsoft.com/office/powerpoint/2010/main" val="2577204359"/>
+        <p14:creationId xmlns:p14="http://schemas.microsoft.com/office/powerpoint/2010/main" val="3442313582"/>
       </p:ext>
     </p:extLst>
   </p:cSld>
@@ -1150,7 +1226,13 @@
       </p:grpSpPr>
       <p:sp>
         <p:nvSpPr>
-          <p:cNvPr id="2" name="Title 1"/>
+          <p:cNvPr id="2" name="Title 1">
+            <a:extLst>
+              <a:ext uri="{FF2B5EF4-FFF2-40B4-BE49-F238E27FC236}">
+                <a16:creationId xmlns:a16="http://schemas.microsoft.com/office/drawing/2014/main" id="{548E9CEF-2A87-4AD8-B6DF-CAB73908E325}"/>
+              </a:ext>
+            </a:extLst>
+          </p:cNvPr>
           <p:cNvSpPr>
             <a:spLocks noGrp="1"/>
           </p:cNvSpPr>
@@ -1164,16 +1246,22 @@
           <a:lstStyle/>
           <a:p>
             <a:r>
-              <a:rPr lang="en-US"/>
+              <a:rPr lang="en-US" altLang="zh-CN"/>
               <a:t>Click to edit Master title style</a:t>
             </a:r>
-            <a:endParaRPr lang="en-US" dirty="0"/>
-          </a:p>
-        </p:txBody>
-      </p:sp>
-      <p:sp>
-        <p:nvSpPr>
-          <p:cNvPr id="3" name="Content Placeholder 2"/>
+            <a:endParaRPr lang="zh-CN" altLang="en-US"/>
+          </a:p>
+        </p:txBody>
+      </p:sp>
+      <p:sp>
+        <p:nvSpPr>
+          <p:cNvPr id="3" name="Content Placeholder 2">
+            <a:extLst>
+              <a:ext uri="{FF2B5EF4-FFF2-40B4-BE49-F238E27FC236}">
+                <a16:creationId xmlns:a16="http://schemas.microsoft.com/office/drawing/2014/main" id="{2B75C52C-65E1-40DB-A820-8C826CEE735C}"/>
+              </a:ext>
+            </a:extLst>
+          </p:cNvPr>
           <p:cNvSpPr>
             <a:spLocks noGrp="1"/>
           </p:cNvSpPr>
@@ -1188,44 +1276,50 @@
           <a:p>
             <a:pPr lvl="0"/>
             <a:r>
-              <a:rPr lang="en-US"/>
-              <a:t>Edit Master text styles</a:t>
+              <a:rPr lang="en-US" altLang="zh-CN"/>
+              <a:t>Click to edit Master text styles</a:t>
             </a:r>
           </a:p>
           <a:p>
             <a:pPr lvl="1"/>
             <a:r>
-              <a:rPr lang="en-US"/>
+              <a:rPr lang="en-US" altLang="zh-CN"/>
               <a:t>Second level</a:t>
             </a:r>
           </a:p>
           <a:p>
             <a:pPr lvl="2"/>
             <a:r>
-              <a:rPr lang="en-US"/>
+              <a:rPr lang="en-US" altLang="zh-CN"/>
               <a:t>Third level</a:t>
             </a:r>
           </a:p>
           <a:p>
             <a:pPr lvl="3"/>
             <a:r>
-              <a:rPr lang="en-US"/>
+              <a:rPr lang="en-US" altLang="zh-CN"/>
               <a:t>Fourth level</a:t>
             </a:r>
           </a:p>
           <a:p>
             <a:pPr lvl="4"/>
             <a:r>
-              <a:rPr lang="en-US"/>
+              <a:rPr lang="en-US" altLang="zh-CN"/>
               <a:t>Fifth level</a:t>
             </a:r>
-            <a:endParaRPr lang="en-US" dirty="0"/>
-          </a:p>
-        </p:txBody>
-      </p:sp>
-      <p:sp>
-        <p:nvSpPr>
-          <p:cNvPr id="4" name="Date Placeholder 3"/>
+            <a:endParaRPr lang="zh-CN" altLang="en-US"/>
+          </a:p>
+        </p:txBody>
+      </p:sp>
+      <p:sp>
+        <p:nvSpPr>
+          <p:cNvPr id="4" name="Date Placeholder 3">
+            <a:extLst>
+              <a:ext uri="{FF2B5EF4-FFF2-40B4-BE49-F238E27FC236}">
+                <a16:creationId xmlns:a16="http://schemas.microsoft.com/office/drawing/2014/main" id="{EF9F29F8-CD2F-4EB8-A46B-55AB8B07F6C3}"/>
+              </a:ext>
+            </a:extLst>
+          </p:cNvPr>
           <p:cNvSpPr>
             <a:spLocks noGrp="1"/>
           </p:cNvSpPr>
@@ -1240,7 +1334,7 @@
           <a:p>
             <a:fld id="{C21F6666-3EDE-4E8B-BC82-F371B9B084D1}" type="datetimeFigureOut">
               <a:rPr lang="zh-CN" altLang="en-US" smtClean="0"/>
-              <a:t>2021/10/19</a:t>
+              <a:t>2021/10/22</a:t>
             </a:fld>
             <a:endParaRPr lang="zh-CN" altLang="en-US"/>
           </a:p>
@@ -1248,7 +1342,13 @@
       </p:sp>
       <p:sp>
         <p:nvSpPr>
-          <p:cNvPr id="5" name="Footer Placeholder 4"/>
+          <p:cNvPr id="5" name="Footer Placeholder 4">
+            <a:extLst>
+              <a:ext uri="{FF2B5EF4-FFF2-40B4-BE49-F238E27FC236}">
+                <a16:creationId xmlns:a16="http://schemas.microsoft.com/office/drawing/2014/main" id="{8513C64B-52AE-45CD-9C79-9A72A07BAE54}"/>
+              </a:ext>
+            </a:extLst>
+          </p:cNvPr>
           <p:cNvSpPr>
             <a:spLocks noGrp="1"/>
           </p:cNvSpPr>
@@ -1267,7 +1367,13 @@
       </p:sp>
       <p:sp>
         <p:nvSpPr>
-          <p:cNvPr id="6" name="Slide Number Placeholder 5"/>
+          <p:cNvPr id="6" name="Slide Number Placeholder 5">
+            <a:extLst>
+              <a:ext uri="{FF2B5EF4-FFF2-40B4-BE49-F238E27FC236}">
+                <a16:creationId xmlns:a16="http://schemas.microsoft.com/office/drawing/2014/main" id="{273CD346-1C2F-49A3-BABF-71FF34EEC4EF}"/>
+              </a:ext>
+            </a:extLst>
+          </p:cNvPr>
           <p:cNvSpPr>
             <a:spLocks noGrp="1"/>
           </p:cNvSpPr>
@@ -1291,7 +1397,7 @@
     </p:spTree>
     <p:extLst>
       <p:ext uri="{BB962C8B-B14F-4D97-AF65-F5344CB8AC3E}">
-        <p14:creationId xmlns:p14="http://schemas.microsoft.com/office/powerpoint/2010/main" val="2724700938"/>
+        <p14:creationId xmlns:p14="http://schemas.microsoft.com/office/powerpoint/2010/main" val="1911016915"/>
       </p:ext>
     </p:extLst>
   </p:cSld>
@@ -1320,7 +1426,13 @@
       </p:grpSpPr>
       <p:sp>
         <p:nvSpPr>
-          <p:cNvPr id="2" name="Title 1"/>
+          <p:cNvPr id="2" name="Title 1">
+            <a:extLst>
+              <a:ext uri="{FF2B5EF4-FFF2-40B4-BE49-F238E27FC236}">
+                <a16:creationId xmlns:a16="http://schemas.microsoft.com/office/drawing/2014/main" id="{21B79502-8712-438A-B9C6-1960D7DDC1D8}"/>
+              </a:ext>
+            </a:extLst>
+          </p:cNvPr>
           <p:cNvSpPr>
             <a:spLocks noGrp="1"/>
           </p:cNvSpPr>
@@ -1330,29 +1442,35 @@
         </p:nvSpPr>
         <p:spPr>
           <a:xfrm>
-            <a:off x="687793" y="2243638"/>
-            <a:ext cx="8694539" cy="3743557"/>
+            <a:off x="831850" y="1709738"/>
+            <a:ext cx="10515600" cy="2852737"/>
           </a:xfrm>
         </p:spPr>
         <p:txBody>
           <a:bodyPr anchor="b"/>
           <a:lstStyle>
             <a:lvl1pPr>
-              <a:defRPr sz="6614"/>
+              <a:defRPr sz="6000"/>
             </a:lvl1pPr>
           </a:lstStyle>
           <a:p>
             <a:r>
-              <a:rPr lang="en-US"/>
+              <a:rPr lang="en-US" altLang="zh-CN"/>
               <a:t>Click to edit Master title style</a:t>
             </a:r>
-            <a:endParaRPr lang="en-US" dirty="0"/>
-          </a:p>
-        </p:txBody>
-      </p:sp>
-      <p:sp>
-        <p:nvSpPr>
-          <p:cNvPr id="3" name="Text Placeholder 2"/>
+            <a:endParaRPr lang="zh-CN" altLang="en-US"/>
+          </a:p>
+        </p:txBody>
+      </p:sp>
+      <p:sp>
+        <p:nvSpPr>
+          <p:cNvPr id="3" name="Text Placeholder 2">
+            <a:extLst>
+              <a:ext uri="{FF2B5EF4-FFF2-40B4-BE49-F238E27FC236}">
+                <a16:creationId xmlns:a16="http://schemas.microsoft.com/office/drawing/2014/main" id="{9F700DBE-75BB-4761-8F92-126AF5059906}"/>
+              </a:ext>
+            </a:extLst>
+          </p:cNvPr>
           <p:cNvSpPr>
             <a:spLocks noGrp="1"/>
           </p:cNvSpPr>
@@ -1362,8 +1480,8 @@
         </p:nvSpPr>
         <p:spPr>
           <a:xfrm>
-            <a:off x="687793" y="6022610"/>
-            <a:ext cx="8694539" cy="1968648"/>
+            <a:off x="831850" y="4589463"/>
+            <a:ext cx="10515600" cy="1500187"/>
           </a:xfrm>
         </p:spPr>
         <p:txBody>
@@ -1371,15 +1489,17 @@
           <a:lstStyle>
             <a:lvl1pPr marL="0" indent="0">
               <a:buNone/>
-              <a:defRPr sz="2646">
+              <a:defRPr sz="2400">
                 <a:solidFill>
-                  <a:schemeClr val="tx1"/>
+                  <a:schemeClr val="tx1">
+                    <a:tint val="75000"/>
+                  </a:schemeClr>
                 </a:solidFill>
               </a:defRPr>
             </a:lvl1pPr>
-            <a:lvl2pPr marL="504017" indent="0">
-              <a:buNone/>
-              <a:defRPr sz="2205">
+            <a:lvl2pPr marL="457200" indent="0">
+              <a:buNone/>
+              <a:defRPr sz="2000">
                 <a:solidFill>
                   <a:schemeClr val="tx1">
                     <a:tint val="75000"/>
@@ -1387,9 +1507,9 @@
                 </a:solidFill>
               </a:defRPr>
             </a:lvl2pPr>
-            <a:lvl3pPr marL="1008035" indent="0">
-              <a:buNone/>
-              <a:defRPr sz="1984">
+            <a:lvl3pPr marL="914400" indent="0">
+              <a:buNone/>
+              <a:defRPr sz="1800">
                 <a:solidFill>
                   <a:schemeClr val="tx1">
                     <a:tint val="75000"/>
@@ -1397,9 +1517,9 @@
                 </a:solidFill>
               </a:defRPr>
             </a:lvl3pPr>
-            <a:lvl4pPr marL="1512052" indent="0">
-              <a:buNone/>
-              <a:defRPr sz="1764">
+            <a:lvl4pPr marL="1371600" indent="0">
+              <a:buNone/>
+              <a:defRPr sz="1600">
                 <a:solidFill>
                   <a:schemeClr val="tx1">
                     <a:tint val="75000"/>
@@ -1407,9 +1527,9 @@
                 </a:solidFill>
               </a:defRPr>
             </a:lvl4pPr>
-            <a:lvl5pPr marL="2016069" indent="0">
-              <a:buNone/>
-              <a:defRPr sz="1764">
+            <a:lvl5pPr marL="1828800" indent="0">
+              <a:buNone/>
+              <a:defRPr sz="1600">
                 <a:solidFill>
                   <a:schemeClr val="tx1">
                     <a:tint val="75000"/>
@@ -1417,9 +1537,9 @@
                 </a:solidFill>
               </a:defRPr>
             </a:lvl5pPr>
-            <a:lvl6pPr marL="2520086" indent="0">
-              <a:buNone/>
-              <a:defRPr sz="1764">
+            <a:lvl6pPr marL="2286000" indent="0">
+              <a:buNone/>
+              <a:defRPr sz="1600">
                 <a:solidFill>
                   <a:schemeClr val="tx1">
                     <a:tint val="75000"/>
@@ -1427,9 +1547,9 @@
                 </a:solidFill>
               </a:defRPr>
             </a:lvl6pPr>
-            <a:lvl7pPr marL="3024104" indent="0">
-              <a:buNone/>
-              <a:defRPr sz="1764">
+            <a:lvl7pPr marL="2743200" indent="0">
+              <a:buNone/>
+              <a:defRPr sz="1600">
                 <a:solidFill>
                   <a:schemeClr val="tx1">
                     <a:tint val="75000"/>
@@ -1437,9 +1557,9 @@
                 </a:solidFill>
               </a:defRPr>
             </a:lvl7pPr>
-            <a:lvl8pPr marL="3528121" indent="0">
-              <a:buNone/>
-              <a:defRPr sz="1764">
+            <a:lvl8pPr marL="3200400" indent="0">
+              <a:buNone/>
+              <a:defRPr sz="1600">
                 <a:solidFill>
                   <a:schemeClr val="tx1">
                     <a:tint val="75000"/>
@@ -1447,9 +1567,9 @@
                 </a:solidFill>
               </a:defRPr>
             </a:lvl8pPr>
-            <a:lvl9pPr marL="4032138" indent="0">
-              <a:buNone/>
-              <a:defRPr sz="1764">
+            <a:lvl9pPr marL="3657600" indent="0">
+              <a:buNone/>
+              <a:defRPr sz="1600">
                 <a:solidFill>
                   <a:schemeClr val="tx1">
                     <a:tint val="75000"/>
@@ -1461,15 +1581,21 @@
           <a:p>
             <a:pPr lvl="0"/>
             <a:r>
-              <a:rPr lang="en-US"/>
-              <a:t>Edit Master text styles</a:t>
-            </a:r>
-          </a:p>
-        </p:txBody>
-      </p:sp>
-      <p:sp>
-        <p:nvSpPr>
-          <p:cNvPr id="4" name="Date Placeholder 3"/>
+              <a:rPr lang="en-US" altLang="zh-CN"/>
+              <a:t>Click to edit Master text styles</a:t>
+            </a:r>
+          </a:p>
+        </p:txBody>
+      </p:sp>
+      <p:sp>
+        <p:nvSpPr>
+          <p:cNvPr id="4" name="Date Placeholder 3">
+            <a:extLst>
+              <a:ext uri="{FF2B5EF4-FFF2-40B4-BE49-F238E27FC236}">
+                <a16:creationId xmlns:a16="http://schemas.microsoft.com/office/drawing/2014/main" id="{F5A3B69B-1F9F-4820-B577-E04E89BEE242}"/>
+              </a:ext>
+            </a:extLst>
+          </p:cNvPr>
           <p:cNvSpPr>
             <a:spLocks noGrp="1"/>
           </p:cNvSpPr>
@@ -1484,7 +1610,7 @@
           <a:p>
             <a:fld id="{C21F6666-3EDE-4E8B-BC82-F371B9B084D1}" type="datetimeFigureOut">
               <a:rPr lang="zh-CN" altLang="en-US" smtClean="0"/>
-              <a:t>2021/10/19</a:t>
+              <a:t>2021/10/22</a:t>
             </a:fld>
             <a:endParaRPr lang="zh-CN" altLang="en-US"/>
           </a:p>
@@ -1492,7 +1618,13 @@
       </p:sp>
       <p:sp>
         <p:nvSpPr>
-          <p:cNvPr id="5" name="Footer Placeholder 4"/>
+          <p:cNvPr id="5" name="Footer Placeholder 4">
+            <a:extLst>
+              <a:ext uri="{FF2B5EF4-FFF2-40B4-BE49-F238E27FC236}">
+                <a16:creationId xmlns:a16="http://schemas.microsoft.com/office/drawing/2014/main" id="{FF8D3138-4450-4702-A587-7F7A32071B19}"/>
+              </a:ext>
+            </a:extLst>
+          </p:cNvPr>
           <p:cNvSpPr>
             <a:spLocks noGrp="1"/>
           </p:cNvSpPr>
@@ -1511,7 +1643,13 @@
       </p:sp>
       <p:sp>
         <p:nvSpPr>
-          <p:cNvPr id="6" name="Slide Number Placeholder 5"/>
+          <p:cNvPr id="6" name="Slide Number Placeholder 5">
+            <a:extLst>
+              <a:ext uri="{FF2B5EF4-FFF2-40B4-BE49-F238E27FC236}">
+                <a16:creationId xmlns:a16="http://schemas.microsoft.com/office/drawing/2014/main" id="{F7517FEE-D1AB-4DD6-B9E0-4F4835B1303D}"/>
+              </a:ext>
+            </a:extLst>
+          </p:cNvPr>
           <p:cNvSpPr>
             <a:spLocks noGrp="1"/>
           </p:cNvSpPr>
@@ -1535,7 +1673,7 @@
     </p:spTree>
     <p:extLst>
       <p:ext uri="{BB962C8B-B14F-4D97-AF65-F5344CB8AC3E}">
-        <p14:creationId xmlns:p14="http://schemas.microsoft.com/office/powerpoint/2010/main" val="1701225992"/>
+        <p14:creationId xmlns:p14="http://schemas.microsoft.com/office/powerpoint/2010/main" val="3395382161"/>
       </p:ext>
     </p:extLst>
   </p:cSld>
@@ -1564,7 +1702,13 @@
       </p:grpSpPr>
       <p:sp>
         <p:nvSpPr>
-          <p:cNvPr id="2" name="Title 1"/>
+          <p:cNvPr id="2" name="Title 1">
+            <a:extLst>
+              <a:ext uri="{FF2B5EF4-FFF2-40B4-BE49-F238E27FC236}">
+                <a16:creationId xmlns:a16="http://schemas.microsoft.com/office/drawing/2014/main" id="{78BA546B-6B80-490C-B7D4-378111BE4717}"/>
+              </a:ext>
+            </a:extLst>
+          </p:cNvPr>
           <p:cNvSpPr>
             <a:spLocks noGrp="1"/>
           </p:cNvSpPr>
@@ -1578,16 +1722,22 @@
           <a:lstStyle/>
           <a:p>
             <a:r>
-              <a:rPr lang="en-US"/>
+              <a:rPr lang="en-US" altLang="zh-CN"/>
               <a:t>Click to edit Master title style</a:t>
             </a:r>
-            <a:endParaRPr lang="en-US" dirty="0"/>
-          </a:p>
-        </p:txBody>
-      </p:sp>
-      <p:sp>
-        <p:nvSpPr>
-          <p:cNvPr id="3" name="Content Placeholder 2"/>
+            <a:endParaRPr lang="zh-CN" altLang="en-US"/>
+          </a:p>
+        </p:txBody>
+      </p:sp>
+      <p:sp>
+        <p:nvSpPr>
+          <p:cNvPr id="3" name="Content Placeholder 2">
+            <a:extLst>
+              <a:ext uri="{FF2B5EF4-FFF2-40B4-BE49-F238E27FC236}">
+                <a16:creationId xmlns:a16="http://schemas.microsoft.com/office/drawing/2014/main" id="{1979A79E-A50B-497C-A039-E2C45F86F5B4}"/>
+              </a:ext>
+            </a:extLst>
+          </p:cNvPr>
           <p:cNvSpPr>
             <a:spLocks noGrp="1"/>
           </p:cNvSpPr>
@@ -1597,8 +1747,8 @@
         </p:nvSpPr>
         <p:spPr>
           <a:xfrm>
-            <a:off x="693043" y="2395710"/>
-            <a:ext cx="4284266" cy="5710124"/>
+            <a:off x="838200" y="1825625"/>
+            <a:ext cx="5181600" cy="4351338"/>
           </a:xfrm>
         </p:spPr>
         <p:txBody>
@@ -1607,44 +1757,50 @@
           <a:p>
             <a:pPr lvl="0"/>
             <a:r>
-              <a:rPr lang="en-US"/>
-              <a:t>Edit Master text styles</a:t>
+              <a:rPr lang="en-US" altLang="zh-CN"/>
+              <a:t>Click to edit Master text styles</a:t>
             </a:r>
           </a:p>
           <a:p>
             <a:pPr lvl="1"/>
             <a:r>
-              <a:rPr lang="en-US"/>
+              <a:rPr lang="en-US" altLang="zh-CN"/>
               <a:t>Second level</a:t>
             </a:r>
           </a:p>
           <a:p>
             <a:pPr lvl="2"/>
             <a:r>
-              <a:rPr lang="en-US"/>
+              <a:rPr lang="en-US" altLang="zh-CN"/>
               <a:t>Third level</a:t>
             </a:r>
           </a:p>
           <a:p>
             <a:pPr lvl="3"/>
             <a:r>
-              <a:rPr lang="en-US"/>
+              <a:rPr lang="en-US" altLang="zh-CN"/>
               <a:t>Fourth level</a:t>
             </a:r>
           </a:p>
           <a:p>
             <a:pPr lvl="4"/>
             <a:r>
-              <a:rPr lang="en-US"/>
+              <a:rPr lang="en-US" altLang="zh-CN"/>
               <a:t>Fifth level</a:t>
             </a:r>
-            <a:endParaRPr lang="en-US" dirty="0"/>
-          </a:p>
-        </p:txBody>
-      </p:sp>
-      <p:sp>
-        <p:nvSpPr>
-          <p:cNvPr id="4" name="Content Placeholder 3"/>
+            <a:endParaRPr lang="zh-CN" altLang="en-US"/>
+          </a:p>
+        </p:txBody>
+      </p:sp>
+      <p:sp>
+        <p:nvSpPr>
+          <p:cNvPr id="4" name="Content Placeholder 3">
+            <a:extLst>
+              <a:ext uri="{FF2B5EF4-FFF2-40B4-BE49-F238E27FC236}">
+                <a16:creationId xmlns:a16="http://schemas.microsoft.com/office/drawing/2014/main" id="{B8733EFD-A300-4F67-9B7E-1238E6E79597}"/>
+              </a:ext>
+            </a:extLst>
+          </p:cNvPr>
           <p:cNvSpPr>
             <a:spLocks noGrp="1"/>
           </p:cNvSpPr>
@@ -1654,8 +1810,8 @@
         </p:nvSpPr>
         <p:spPr>
           <a:xfrm>
-            <a:off x="5103316" y="2395710"/>
-            <a:ext cx="4284266" cy="5710124"/>
+            <a:off x="6172200" y="1825625"/>
+            <a:ext cx="5181600" cy="4351338"/>
           </a:xfrm>
         </p:spPr>
         <p:txBody>
@@ -1664,44 +1820,50 @@
           <a:p>
             <a:pPr lvl="0"/>
             <a:r>
-              <a:rPr lang="en-US"/>
-              <a:t>Edit Master text styles</a:t>
+              <a:rPr lang="en-US" altLang="zh-CN"/>
+              <a:t>Click to edit Master text styles</a:t>
             </a:r>
           </a:p>
           <a:p>
             <a:pPr lvl="1"/>
             <a:r>
-              <a:rPr lang="en-US"/>
+              <a:rPr lang="en-US" altLang="zh-CN"/>
               <a:t>Second level</a:t>
             </a:r>
           </a:p>
           <a:p>
             <a:pPr lvl="2"/>
             <a:r>
-              <a:rPr lang="en-US"/>
+              <a:rPr lang="en-US" altLang="zh-CN"/>
               <a:t>Third level</a:t>
             </a:r>
           </a:p>
           <a:p>
             <a:pPr lvl="3"/>
             <a:r>
-              <a:rPr lang="en-US"/>
+              <a:rPr lang="en-US" altLang="zh-CN"/>
               <a:t>Fourth level</a:t>
             </a:r>
           </a:p>
           <a:p>
             <a:pPr lvl="4"/>
             <a:r>
-              <a:rPr lang="en-US"/>
+              <a:rPr lang="en-US" altLang="zh-CN"/>
               <a:t>Fifth level</a:t>
             </a:r>
-            <a:endParaRPr lang="en-US" dirty="0"/>
-          </a:p>
-        </p:txBody>
-      </p:sp>
-      <p:sp>
-        <p:nvSpPr>
-          <p:cNvPr id="5" name="Date Placeholder 4"/>
+            <a:endParaRPr lang="zh-CN" altLang="en-US"/>
+          </a:p>
+        </p:txBody>
+      </p:sp>
+      <p:sp>
+        <p:nvSpPr>
+          <p:cNvPr id="5" name="Date Placeholder 4">
+            <a:extLst>
+              <a:ext uri="{FF2B5EF4-FFF2-40B4-BE49-F238E27FC236}">
+                <a16:creationId xmlns:a16="http://schemas.microsoft.com/office/drawing/2014/main" id="{DFE587D1-2894-457E-AC1E-C8F60148549B}"/>
+              </a:ext>
+            </a:extLst>
+          </p:cNvPr>
           <p:cNvSpPr>
             <a:spLocks noGrp="1"/>
           </p:cNvSpPr>
@@ -1716,7 +1878,7 @@
           <a:p>
             <a:fld id="{C21F6666-3EDE-4E8B-BC82-F371B9B084D1}" type="datetimeFigureOut">
               <a:rPr lang="zh-CN" altLang="en-US" smtClean="0"/>
-              <a:t>2021/10/19</a:t>
+              <a:t>2021/10/22</a:t>
             </a:fld>
             <a:endParaRPr lang="zh-CN" altLang="en-US"/>
           </a:p>
@@ -1724,7 +1886,13 @@
       </p:sp>
       <p:sp>
         <p:nvSpPr>
-          <p:cNvPr id="6" name="Footer Placeholder 5"/>
+          <p:cNvPr id="6" name="Footer Placeholder 5">
+            <a:extLst>
+              <a:ext uri="{FF2B5EF4-FFF2-40B4-BE49-F238E27FC236}">
+                <a16:creationId xmlns:a16="http://schemas.microsoft.com/office/drawing/2014/main" id="{363D795F-A2BA-46AA-A7D6-B8A1B7267659}"/>
+              </a:ext>
+            </a:extLst>
+          </p:cNvPr>
           <p:cNvSpPr>
             <a:spLocks noGrp="1"/>
           </p:cNvSpPr>
@@ -1743,7 +1911,13 @@
       </p:sp>
       <p:sp>
         <p:nvSpPr>
-          <p:cNvPr id="7" name="Slide Number Placeholder 6"/>
+          <p:cNvPr id="7" name="Slide Number Placeholder 6">
+            <a:extLst>
+              <a:ext uri="{FF2B5EF4-FFF2-40B4-BE49-F238E27FC236}">
+                <a16:creationId xmlns:a16="http://schemas.microsoft.com/office/drawing/2014/main" id="{AB992E19-C7F8-476C-A144-16178678510A}"/>
+              </a:ext>
+            </a:extLst>
+          </p:cNvPr>
           <p:cNvSpPr>
             <a:spLocks noGrp="1"/>
           </p:cNvSpPr>
@@ -1767,7 +1941,7 @@
     </p:spTree>
     <p:extLst>
       <p:ext uri="{BB962C8B-B14F-4D97-AF65-F5344CB8AC3E}">
-        <p14:creationId xmlns:p14="http://schemas.microsoft.com/office/powerpoint/2010/main" val="3523083077"/>
+        <p14:creationId xmlns:p14="http://schemas.microsoft.com/office/powerpoint/2010/main" val="2085000898"/>
       </p:ext>
     </p:extLst>
   </p:cSld>
@@ -1796,7 +1970,13 @@
       </p:grpSpPr>
       <p:sp>
         <p:nvSpPr>
-          <p:cNvPr id="2" name="Title 1"/>
+          <p:cNvPr id="2" name="Title 1">
+            <a:extLst>
+              <a:ext uri="{FF2B5EF4-FFF2-40B4-BE49-F238E27FC236}">
+                <a16:creationId xmlns:a16="http://schemas.microsoft.com/office/drawing/2014/main" id="{3F663EFD-9EED-4828-BDDA-A89E827DF0AA}"/>
+              </a:ext>
+            </a:extLst>
+          </p:cNvPr>
           <p:cNvSpPr>
             <a:spLocks noGrp="1"/>
           </p:cNvSpPr>
@@ -1806,8 +1986,8 @@
         </p:nvSpPr>
         <p:spPr>
           <a:xfrm>
-            <a:off x="694356" y="479144"/>
-            <a:ext cx="8694539" cy="1739495"/>
+            <a:off x="839788" y="365125"/>
+            <a:ext cx="10515600" cy="1325563"/>
           </a:xfrm>
         </p:spPr>
         <p:txBody>
@@ -1815,16 +1995,22 @@
           <a:lstStyle/>
           <a:p>
             <a:r>
-              <a:rPr lang="en-US"/>
+              <a:rPr lang="en-US" altLang="zh-CN"/>
               <a:t>Click to edit Master title style</a:t>
             </a:r>
-            <a:endParaRPr lang="en-US" dirty="0"/>
-          </a:p>
-        </p:txBody>
-      </p:sp>
-      <p:sp>
-        <p:nvSpPr>
-          <p:cNvPr id="3" name="Text Placeholder 2"/>
+            <a:endParaRPr lang="zh-CN" altLang="en-US"/>
+          </a:p>
+        </p:txBody>
+      </p:sp>
+      <p:sp>
+        <p:nvSpPr>
+          <p:cNvPr id="3" name="Text Placeholder 2">
+            <a:extLst>
+              <a:ext uri="{FF2B5EF4-FFF2-40B4-BE49-F238E27FC236}">
+                <a16:creationId xmlns:a16="http://schemas.microsoft.com/office/drawing/2014/main" id="{7463D9AA-5900-4DC3-B1CA-186AA2F249E5}"/>
+              </a:ext>
+            </a:extLst>
+          </p:cNvPr>
           <p:cNvSpPr>
             <a:spLocks noGrp="1"/>
           </p:cNvSpPr>
@@ -1834,8 +2020,8 @@
         </p:nvSpPr>
         <p:spPr>
           <a:xfrm>
-            <a:off x="694357" y="2206137"/>
-            <a:ext cx="4264576" cy="1081194"/>
+            <a:off x="839788" y="1681163"/>
+            <a:ext cx="5157787" cy="823912"/>
           </a:xfrm>
         </p:spPr>
         <p:txBody>
@@ -1843,53 +2029,59 @@
           <a:lstStyle>
             <a:lvl1pPr marL="0" indent="0">
               <a:buNone/>
-              <a:defRPr sz="2646" b="1"/>
+              <a:defRPr sz="2400" b="1"/>
             </a:lvl1pPr>
-            <a:lvl2pPr marL="504017" indent="0">
-              <a:buNone/>
-              <a:defRPr sz="2205" b="1"/>
+            <a:lvl2pPr marL="457200" indent="0">
+              <a:buNone/>
+              <a:defRPr sz="2000" b="1"/>
             </a:lvl2pPr>
-            <a:lvl3pPr marL="1008035" indent="0">
-              <a:buNone/>
-              <a:defRPr sz="1984" b="1"/>
+            <a:lvl3pPr marL="914400" indent="0">
+              <a:buNone/>
+              <a:defRPr sz="1800" b="1"/>
             </a:lvl3pPr>
-            <a:lvl4pPr marL="1512052" indent="0">
-              <a:buNone/>
-              <a:defRPr sz="1764" b="1"/>
+            <a:lvl4pPr marL="1371600" indent="0">
+              <a:buNone/>
+              <a:defRPr sz="1600" b="1"/>
             </a:lvl4pPr>
-            <a:lvl5pPr marL="2016069" indent="0">
-              <a:buNone/>
-              <a:defRPr sz="1764" b="1"/>
+            <a:lvl5pPr marL="1828800" indent="0">
+              <a:buNone/>
+              <a:defRPr sz="1600" b="1"/>
             </a:lvl5pPr>
-            <a:lvl6pPr marL="2520086" indent="0">
-              <a:buNone/>
-              <a:defRPr sz="1764" b="1"/>
+            <a:lvl6pPr marL="2286000" indent="0">
+              <a:buNone/>
+              <a:defRPr sz="1600" b="1"/>
             </a:lvl6pPr>
-            <a:lvl7pPr marL="3024104" indent="0">
-              <a:buNone/>
-              <a:defRPr sz="1764" b="1"/>
+            <a:lvl7pPr marL="2743200" indent="0">
+              <a:buNone/>
+              <a:defRPr sz="1600" b="1"/>
             </a:lvl7pPr>
-            <a:lvl8pPr marL="3528121" indent="0">
-              <a:buNone/>
-              <a:defRPr sz="1764" b="1"/>
+            <a:lvl8pPr marL="3200400" indent="0">
+              <a:buNone/>
+              <a:defRPr sz="1600" b="1"/>
             </a:lvl8pPr>
-            <a:lvl9pPr marL="4032138" indent="0">
-              <a:buNone/>
-              <a:defRPr sz="1764" b="1"/>
+            <a:lvl9pPr marL="3657600" indent="0">
+              <a:buNone/>
+              <a:defRPr sz="1600" b="1"/>
             </a:lvl9pPr>
           </a:lstStyle>
           <a:p>
             <a:pPr lvl="0"/>
             <a:r>
-              <a:rPr lang="en-US"/>
-              <a:t>Edit Master text styles</a:t>
-            </a:r>
-          </a:p>
-        </p:txBody>
-      </p:sp>
-      <p:sp>
-        <p:nvSpPr>
-          <p:cNvPr id="4" name="Content Placeholder 3"/>
+              <a:rPr lang="en-US" altLang="zh-CN"/>
+              <a:t>Click to edit Master text styles</a:t>
+            </a:r>
+          </a:p>
+        </p:txBody>
+      </p:sp>
+      <p:sp>
+        <p:nvSpPr>
+          <p:cNvPr id="4" name="Content Placeholder 3">
+            <a:extLst>
+              <a:ext uri="{FF2B5EF4-FFF2-40B4-BE49-F238E27FC236}">
+                <a16:creationId xmlns:a16="http://schemas.microsoft.com/office/drawing/2014/main" id="{1E918D1E-EAC4-4352-B356-655F2E4CB80F}"/>
+              </a:ext>
+            </a:extLst>
+          </p:cNvPr>
           <p:cNvSpPr>
             <a:spLocks noGrp="1"/>
           </p:cNvSpPr>
@@ -1899,8 +2091,8 @@
         </p:nvSpPr>
         <p:spPr>
           <a:xfrm>
-            <a:off x="694357" y="3287331"/>
-            <a:ext cx="4264576" cy="4835169"/>
+            <a:off x="839788" y="2505075"/>
+            <a:ext cx="5157787" cy="3684588"/>
           </a:xfrm>
         </p:spPr>
         <p:txBody>
@@ -1909,44 +2101,50 @@
           <a:p>
             <a:pPr lvl="0"/>
             <a:r>
-              <a:rPr lang="en-US"/>
-              <a:t>Edit Master text styles</a:t>
+              <a:rPr lang="en-US" altLang="zh-CN"/>
+              <a:t>Click to edit Master text styles</a:t>
             </a:r>
           </a:p>
           <a:p>
             <a:pPr lvl="1"/>
             <a:r>
-              <a:rPr lang="en-US"/>
+              <a:rPr lang="en-US" altLang="zh-CN"/>
               <a:t>Second level</a:t>
             </a:r>
           </a:p>
           <a:p>
             <a:pPr lvl="2"/>
             <a:r>
-              <a:rPr lang="en-US"/>
+              <a:rPr lang="en-US" altLang="zh-CN"/>
               <a:t>Third level</a:t>
             </a:r>
           </a:p>
           <a:p>
             <a:pPr lvl="3"/>
             <a:r>
-              <a:rPr lang="en-US"/>
+              <a:rPr lang="en-US" altLang="zh-CN"/>
               <a:t>Fourth level</a:t>
             </a:r>
           </a:p>
           <a:p>
             <a:pPr lvl="4"/>
             <a:r>
-              <a:rPr lang="en-US"/>
+              <a:rPr lang="en-US" altLang="zh-CN"/>
               <a:t>Fifth level</a:t>
             </a:r>
-            <a:endParaRPr lang="en-US" dirty="0"/>
-          </a:p>
-        </p:txBody>
-      </p:sp>
-      <p:sp>
-        <p:nvSpPr>
-          <p:cNvPr id="5" name="Text Placeholder 4"/>
+            <a:endParaRPr lang="zh-CN" altLang="en-US"/>
+          </a:p>
+        </p:txBody>
+      </p:sp>
+      <p:sp>
+        <p:nvSpPr>
+          <p:cNvPr id="5" name="Text Placeholder 4">
+            <a:extLst>
+              <a:ext uri="{FF2B5EF4-FFF2-40B4-BE49-F238E27FC236}">
+                <a16:creationId xmlns:a16="http://schemas.microsoft.com/office/drawing/2014/main" id="{C57A4141-B56C-479F-9CA3-2582C84C1CE5}"/>
+              </a:ext>
+            </a:extLst>
+          </p:cNvPr>
           <p:cNvSpPr>
             <a:spLocks noGrp="1"/>
           </p:cNvSpPr>
@@ -1956,8 +2154,8 @@
         </p:nvSpPr>
         <p:spPr>
           <a:xfrm>
-            <a:off x="5103317" y="2206137"/>
-            <a:ext cx="4285579" cy="1081194"/>
+            <a:off x="6172200" y="1681163"/>
+            <a:ext cx="5183188" cy="823912"/>
           </a:xfrm>
         </p:spPr>
         <p:txBody>
@@ -1965,53 +2163,59 @@
           <a:lstStyle>
             <a:lvl1pPr marL="0" indent="0">
               <a:buNone/>
-              <a:defRPr sz="2646" b="1"/>
+              <a:defRPr sz="2400" b="1"/>
             </a:lvl1pPr>
-            <a:lvl2pPr marL="504017" indent="0">
-              <a:buNone/>
-              <a:defRPr sz="2205" b="1"/>
+            <a:lvl2pPr marL="457200" indent="0">
+              <a:buNone/>
+              <a:defRPr sz="2000" b="1"/>
             </a:lvl2pPr>
-            <a:lvl3pPr marL="1008035" indent="0">
-              <a:buNone/>
-              <a:defRPr sz="1984" b="1"/>
+            <a:lvl3pPr marL="914400" indent="0">
+              <a:buNone/>
+              <a:defRPr sz="1800" b="1"/>
             </a:lvl3pPr>
-            <a:lvl4pPr marL="1512052" indent="0">
-              <a:buNone/>
-              <a:defRPr sz="1764" b="1"/>
+            <a:lvl4pPr marL="1371600" indent="0">
+              <a:buNone/>
+              <a:defRPr sz="1600" b="1"/>
             </a:lvl4pPr>
-            <a:lvl5pPr marL="2016069" indent="0">
-              <a:buNone/>
-              <a:defRPr sz="1764" b="1"/>
+            <a:lvl5pPr marL="1828800" indent="0">
+              <a:buNone/>
+              <a:defRPr sz="1600" b="1"/>
             </a:lvl5pPr>
-            <a:lvl6pPr marL="2520086" indent="0">
-              <a:buNone/>
-              <a:defRPr sz="1764" b="1"/>
+            <a:lvl6pPr marL="2286000" indent="0">
+              <a:buNone/>
+              <a:defRPr sz="1600" b="1"/>
             </a:lvl6pPr>
-            <a:lvl7pPr marL="3024104" indent="0">
-              <a:buNone/>
-              <a:defRPr sz="1764" b="1"/>
+            <a:lvl7pPr marL="2743200" indent="0">
+              <a:buNone/>
+              <a:defRPr sz="1600" b="1"/>
             </a:lvl7pPr>
-            <a:lvl8pPr marL="3528121" indent="0">
-              <a:buNone/>
-              <a:defRPr sz="1764" b="1"/>
+            <a:lvl8pPr marL="3200400" indent="0">
+              <a:buNone/>
+              <a:defRPr sz="1600" b="1"/>
             </a:lvl8pPr>
-            <a:lvl9pPr marL="4032138" indent="0">
-              <a:buNone/>
-              <a:defRPr sz="1764" b="1"/>
+            <a:lvl9pPr marL="3657600" indent="0">
+              <a:buNone/>
+              <a:defRPr sz="1600" b="1"/>
             </a:lvl9pPr>
           </a:lstStyle>
           <a:p>
             <a:pPr lvl="0"/>
             <a:r>
-              <a:rPr lang="en-US"/>
-              <a:t>Edit Master text styles</a:t>
-            </a:r>
-          </a:p>
-        </p:txBody>
-      </p:sp>
-      <p:sp>
-        <p:nvSpPr>
-          <p:cNvPr id="6" name="Content Placeholder 5"/>
+              <a:rPr lang="en-US" altLang="zh-CN"/>
+              <a:t>Click to edit Master text styles</a:t>
+            </a:r>
+          </a:p>
+        </p:txBody>
+      </p:sp>
+      <p:sp>
+        <p:nvSpPr>
+          <p:cNvPr id="6" name="Content Placeholder 5">
+            <a:extLst>
+              <a:ext uri="{FF2B5EF4-FFF2-40B4-BE49-F238E27FC236}">
+                <a16:creationId xmlns:a16="http://schemas.microsoft.com/office/drawing/2014/main" id="{EBDB0E7C-408D-42E2-A02A-FF4392140693}"/>
+              </a:ext>
+            </a:extLst>
+          </p:cNvPr>
           <p:cNvSpPr>
             <a:spLocks noGrp="1"/>
           </p:cNvSpPr>
@@ -2021,8 +2225,8 @@
         </p:nvSpPr>
         <p:spPr>
           <a:xfrm>
-            <a:off x="5103317" y="3287331"/>
-            <a:ext cx="4285579" cy="4835169"/>
+            <a:off x="6172200" y="2505075"/>
+            <a:ext cx="5183188" cy="3684588"/>
           </a:xfrm>
         </p:spPr>
         <p:txBody>
@@ -2031,44 +2235,50 @@
           <a:p>
             <a:pPr lvl="0"/>
             <a:r>
-              <a:rPr lang="en-US"/>
-              <a:t>Edit Master text styles</a:t>
+              <a:rPr lang="en-US" altLang="zh-CN"/>
+              <a:t>Click to edit Master text styles</a:t>
             </a:r>
           </a:p>
           <a:p>
             <a:pPr lvl="1"/>
             <a:r>
-              <a:rPr lang="en-US"/>
+              <a:rPr lang="en-US" altLang="zh-CN"/>
               <a:t>Second level</a:t>
             </a:r>
           </a:p>
           <a:p>
             <a:pPr lvl="2"/>
             <a:r>
-              <a:rPr lang="en-US"/>
+              <a:rPr lang="en-US" altLang="zh-CN"/>
               <a:t>Third level</a:t>
             </a:r>
           </a:p>
           <a:p>
             <a:pPr lvl="3"/>
             <a:r>
-              <a:rPr lang="en-US"/>
+              <a:rPr lang="en-US" altLang="zh-CN"/>
               <a:t>Fourth level</a:t>
             </a:r>
           </a:p>
           <a:p>
             <a:pPr lvl="4"/>
             <a:r>
-              <a:rPr lang="en-US"/>
+              <a:rPr lang="en-US" altLang="zh-CN"/>
               <a:t>Fifth level</a:t>
             </a:r>
-            <a:endParaRPr lang="en-US" dirty="0"/>
-          </a:p>
-        </p:txBody>
-      </p:sp>
-      <p:sp>
-        <p:nvSpPr>
-          <p:cNvPr id="7" name="Date Placeholder 6"/>
+            <a:endParaRPr lang="zh-CN" altLang="en-US"/>
+          </a:p>
+        </p:txBody>
+      </p:sp>
+      <p:sp>
+        <p:nvSpPr>
+          <p:cNvPr id="7" name="Date Placeholder 6">
+            <a:extLst>
+              <a:ext uri="{FF2B5EF4-FFF2-40B4-BE49-F238E27FC236}">
+                <a16:creationId xmlns:a16="http://schemas.microsoft.com/office/drawing/2014/main" id="{85C391B9-B36A-4687-8062-202299F688BB}"/>
+              </a:ext>
+            </a:extLst>
+          </p:cNvPr>
           <p:cNvSpPr>
             <a:spLocks noGrp="1"/>
           </p:cNvSpPr>
@@ -2083,7 +2293,7 @@
           <a:p>
             <a:fld id="{C21F6666-3EDE-4E8B-BC82-F371B9B084D1}" type="datetimeFigureOut">
               <a:rPr lang="zh-CN" altLang="en-US" smtClean="0"/>
-              <a:t>2021/10/19</a:t>
+              <a:t>2021/10/22</a:t>
             </a:fld>
             <a:endParaRPr lang="zh-CN" altLang="en-US"/>
           </a:p>
@@ -2091,7 +2301,13 @@
       </p:sp>
       <p:sp>
         <p:nvSpPr>
-          <p:cNvPr id="8" name="Footer Placeholder 7"/>
+          <p:cNvPr id="8" name="Footer Placeholder 7">
+            <a:extLst>
+              <a:ext uri="{FF2B5EF4-FFF2-40B4-BE49-F238E27FC236}">
+                <a16:creationId xmlns:a16="http://schemas.microsoft.com/office/drawing/2014/main" id="{F8CB495C-C51A-4370-B412-26723B32AB10}"/>
+              </a:ext>
+            </a:extLst>
+          </p:cNvPr>
           <p:cNvSpPr>
             <a:spLocks noGrp="1"/>
           </p:cNvSpPr>
@@ -2110,7 +2326,13 @@
       </p:sp>
       <p:sp>
         <p:nvSpPr>
-          <p:cNvPr id="9" name="Slide Number Placeholder 8"/>
+          <p:cNvPr id="9" name="Slide Number Placeholder 8">
+            <a:extLst>
+              <a:ext uri="{FF2B5EF4-FFF2-40B4-BE49-F238E27FC236}">
+                <a16:creationId xmlns:a16="http://schemas.microsoft.com/office/drawing/2014/main" id="{12BFEC8C-3A6D-4170-B19E-866AC0B604E1}"/>
+              </a:ext>
+            </a:extLst>
+          </p:cNvPr>
           <p:cNvSpPr>
             <a:spLocks noGrp="1"/>
           </p:cNvSpPr>
@@ -2134,7 +2356,7 @@
     </p:spTree>
     <p:extLst>
       <p:ext uri="{BB962C8B-B14F-4D97-AF65-F5344CB8AC3E}">
-        <p14:creationId xmlns:p14="http://schemas.microsoft.com/office/powerpoint/2010/main" val="475132970"/>
+        <p14:creationId xmlns:p14="http://schemas.microsoft.com/office/powerpoint/2010/main" val="2477988984"/>
       </p:ext>
     </p:extLst>
   </p:cSld>
@@ -2163,7 +2385,13 @@
       </p:grpSpPr>
       <p:sp>
         <p:nvSpPr>
-          <p:cNvPr id="2" name="Title 1"/>
+          <p:cNvPr id="2" name="Title 1">
+            <a:extLst>
+              <a:ext uri="{FF2B5EF4-FFF2-40B4-BE49-F238E27FC236}">
+                <a16:creationId xmlns:a16="http://schemas.microsoft.com/office/drawing/2014/main" id="{5349DC57-2FE2-49D7-A848-5CE759B07FD3}"/>
+              </a:ext>
+            </a:extLst>
+          </p:cNvPr>
           <p:cNvSpPr>
             <a:spLocks noGrp="1"/>
           </p:cNvSpPr>
@@ -2177,16 +2405,22 @@
           <a:lstStyle/>
           <a:p>
             <a:r>
-              <a:rPr lang="en-US"/>
+              <a:rPr lang="en-US" altLang="zh-CN"/>
               <a:t>Click to edit Master title style</a:t>
             </a:r>
-            <a:endParaRPr lang="en-US" dirty="0"/>
-          </a:p>
-        </p:txBody>
-      </p:sp>
-      <p:sp>
-        <p:nvSpPr>
-          <p:cNvPr id="3" name="Date Placeholder 2"/>
+            <a:endParaRPr lang="zh-CN" altLang="en-US"/>
+          </a:p>
+        </p:txBody>
+      </p:sp>
+      <p:sp>
+        <p:nvSpPr>
+          <p:cNvPr id="3" name="Date Placeholder 2">
+            <a:extLst>
+              <a:ext uri="{FF2B5EF4-FFF2-40B4-BE49-F238E27FC236}">
+                <a16:creationId xmlns:a16="http://schemas.microsoft.com/office/drawing/2014/main" id="{3B4D0780-CC11-447A-8B04-88FC1A31BE89}"/>
+              </a:ext>
+            </a:extLst>
+          </p:cNvPr>
           <p:cNvSpPr>
             <a:spLocks noGrp="1"/>
           </p:cNvSpPr>
@@ -2201,7 +2435,7 @@
           <a:p>
             <a:fld id="{C21F6666-3EDE-4E8B-BC82-F371B9B084D1}" type="datetimeFigureOut">
               <a:rPr lang="zh-CN" altLang="en-US" smtClean="0"/>
-              <a:t>2021/10/19</a:t>
+              <a:t>2021/10/22</a:t>
             </a:fld>
             <a:endParaRPr lang="zh-CN" altLang="en-US"/>
           </a:p>
@@ -2209,7 +2443,13 @@
       </p:sp>
       <p:sp>
         <p:nvSpPr>
-          <p:cNvPr id="4" name="Footer Placeholder 3"/>
+          <p:cNvPr id="4" name="Footer Placeholder 3">
+            <a:extLst>
+              <a:ext uri="{FF2B5EF4-FFF2-40B4-BE49-F238E27FC236}">
+                <a16:creationId xmlns:a16="http://schemas.microsoft.com/office/drawing/2014/main" id="{B8AFB880-9959-45A6-BABA-F826FBF09F41}"/>
+              </a:ext>
+            </a:extLst>
+          </p:cNvPr>
           <p:cNvSpPr>
             <a:spLocks noGrp="1"/>
           </p:cNvSpPr>
@@ -2228,7 +2468,13 @@
       </p:sp>
       <p:sp>
         <p:nvSpPr>
-          <p:cNvPr id="5" name="Slide Number Placeholder 4"/>
+          <p:cNvPr id="5" name="Slide Number Placeholder 4">
+            <a:extLst>
+              <a:ext uri="{FF2B5EF4-FFF2-40B4-BE49-F238E27FC236}">
+                <a16:creationId xmlns:a16="http://schemas.microsoft.com/office/drawing/2014/main" id="{17025D80-D964-4C9B-8C7F-2558922FBCAE}"/>
+              </a:ext>
+            </a:extLst>
+          </p:cNvPr>
           <p:cNvSpPr>
             <a:spLocks noGrp="1"/>
           </p:cNvSpPr>
@@ -2252,7 +2498,7 @@
     </p:spTree>
     <p:extLst>
       <p:ext uri="{BB962C8B-B14F-4D97-AF65-F5344CB8AC3E}">
-        <p14:creationId xmlns:p14="http://schemas.microsoft.com/office/powerpoint/2010/main" val="2473349397"/>
+        <p14:creationId xmlns:p14="http://schemas.microsoft.com/office/powerpoint/2010/main" val="2598816919"/>
       </p:ext>
     </p:extLst>
   </p:cSld>
@@ -2281,7 +2527,13 @@
       </p:grpSpPr>
       <p:sp>
         <p:nvSpPr>
-          <p:cNvPr id="2" name="Date Placeholder 1"/>
+          <p:cNvPr id="2" name="Date Placeholder 1">
+            <a:extLst>
+              <a:ext uri="{FF2B5EF4-FFF2-40B4-BE49-F238E27FC236}">
+                <a16:creationId xmlns:a16="http://schemas.microsoft.com/office/drawing/2014/main" id="{5D90BB1A-CEE7-44AE-9040-A36106836DC8}"/>
+              </a:ext>
+            </a:extLst>
+          </p:cNvPr>
           <p:cNvSpPr>
             <a:spLocks noGrp="1"/>
           </p:cNvSpPr>
@@ -2296,7 +2548,7 @@
           <a:p>
             <a:fld id="{C21F6666-3EDE-4E8B-BC82-F371B9B084D1}" type="datetimeFigureOut">
               <a:rPr lang="zh-CN" altLang="en-US" smtClean="0"/>
-              <a:t>2021/10/19</a:t>
+              <a:t>2021/10/22</a:t>
             </a:fld>
             <a:endParaRPr lang="zh-CN" altLang="en-US"/>
           </a:p>
@@ -2304,7 +2556,13 @@
       </p:sp>
       <p:sp>
         <p:nvSpPr>
-          <p:cNvPr id="3" name="Footer Placeholder 2"/>
+          <p:cNvPr id="3" name="Footer Placeholder 2">
+            <a:extLst>
+              <a:ext uri="{FF2B5EF4-FFF2-40B4-BE49-F238E27FC236}">
+                <a16:creationId xmlns:a16="http://schemas.microsoft.com/office/drawing/2014/main" id="{B708A434-BB2D-4F7F-8ED8-05F9998BAC14}"/>
+              </a:ext>
+            </a:extLst>
+          </p:cNvPr>
           <p:cNvSpPr>
             <a:spLocks noGrp="1"/>
           </p:cNvSpPr>
@@ -2323,7 +2581,13 @@
       </p:sp>
       <p:sp>
         <p:nvSpPr>
-          <p:cNvPr id="4" name="Slide Number Placeholder 3"/>
+          <p:cNvPr id="4" name="Slide Number Placeholder 3">
+            <a:extLst>
+              <a:ext uri="{FF2B5EF4-FFF2-40B4-BE49-F238E27FC236}">
+                <a16:creationId xmlns:a16="http://schemas.microsoft.com/office/drawing/2014/main" id="{4B9F464A-6B10-49C3-A5CB-648D4C326271}"/>
+              </a:ext>
+            </a:extLst>
+          </p:cNvPr>
           <p:cNvSpPr>
             <a:spLocks noGrp="1"/>
           </p:cNvSpPr>
@@ -2347,7 +2611,7 @@
     </p:spTree>
     <p:extLst>
       <p:ext uri="{BB962C8B-B14F-4D97-AF65-F5344CB8AC3E}">
-        <p14:creationId xmlns:p14="http://schemas.microsoft.com/office/powerpoint/2010/main" val="2379572214"/>
+        <p14:creationId xmlns:p14="http://schemas.microsoft.com/office/powerpoint/2010/main" val="2891473234"/>
       </p:ext>
     </p:extLst>
   </p:cSld>
@@ -2376,7 +2640,13 @@
       </p:grpSpPr>
       <p:sp>
         <p:nvSpPr>
-          <p:cNvPr id="2" name="Title 1"/>
+          <p:cNvPr id="2" name="Title 1">
+            <a:extLst>
+              <a:ext uri="{FF2B5EF4-FFF2-40B4-BE49-F238E27FC236}">
+                <a16:creationId xmlns:a16="http://schemas.microsoft.com/office/drawing/2014/main" id="{C5C58BF7-1FE7-4197-A405-5E92F8516CC6}"/>
+              </a:ext>
+            </a:extLst>
+          </p:cNvPr>
           <p:cNvSpPr>
             <a:spLocks noGrp="1"/>
           </p:cNvSpPr>
@@ -2386,29 +2656,35 @@
         </p:nvSpPr>
         <p:spPr>
           <a:xfrm>
-            <a:off x="694356" y="599969"/>
-            <a:ext cx="3251264" cy="2099892"/>
+            <a:off x="839788" y="457200"/>
+            <a:ext cx="3932237" cy="1600200"/>
           </a:xfrm>
         </p:spPr>
         <p:txBody>
           <a:bodyPr anchor="b"/>
           <a:lstStyle>
             <a:lvl1pPr>
-              <a:defRPr sz="3528"/>
+              <a:defRPr sz="3200"/>
             </a:lvl1pPr>
           </a:lstStyle>
           <a:p>
             <a:r>
-              <a:rPr lang="en-US"/>
+              <a:rPr lang="en-US" altLang="zh-CN"/>
               <a:t>Click to edit Master title style</a:t>
             </a:r>
-            <a:endParaRPr lang="en-US" dirty="0"/>
-          </a:p>
-        </p:txBody>
-      </p:sp>
-      <p:sp>
-        <p:nvSpPr>
-          <p:cNvPr id="3" name="Content Placeholder 2"/>
+            <a:endParaRPr lang="zh-CN" altLang="en-US"/>
+          </a:p>
+        </p:txBody>
+      </p:sp>
+      <p:sp>
+        <p:nvSpPr>
+          <p:cNvPr id="3" name="Content Placeholder 2">
+            <a:extLst>
+              <a:ext uri="{FF2B5EF4-FFF2-40B4-BE49-F238E27FC236}">
+                <a16:creationId xmlns:a16="http://schemas.microsoft.com/office/drawing/2014/main" id="{3AC5A6F2-E136-44E9-9780-B9822D3DD187}"/>
+              </a:ext>
+            </a:extLst>
+          </p:cNvPr>
           <p:cNvSpPr>
             <a:spLocks noGrp="1"/>
           </p:cNvSpPr>
@@ -2418,82 +2694,88 @@
         </p:nvSpPr>
         <p:spPr>
           <a:xfrm>
-            <a:off x="4285579" y="1295769"/>
-            <a:ext cx="5103316" cy="6395505"/>
+            <a:off x="5183188" y="987425"/>
+            <a:ext cx="6172200" cy="4873625"/>
           </a:xfrm>
         </p:spPr>
         <p:txBody>
           <a:bodyPr/>
           <a:lstStyle>
             <a:lvl1pPr>
-              <a:defRPr sz="3528"/>
+              <a:defRPr sz="3200"/>
             </a:lvl1pPr>
             <a:lvl2pPr>
-              <a:defRPr sz="3087"/>
+              <a:defRPr sz="2800"/>
             </a:lvl2pPr>
             <a:lvl3pPr>
-              <a:defRPr sz="2646"/>
+              <a:defRPr sz="2400"/>
             </a:lvl3pPr>
             <a:lvl4pPr>
-              <a:defRPr sz="2205"/>
+              <a:defRPr sz="2000"/>
             </a:lvl4pPr>
             <a:lvl5pPr>
-              <a:defRPr sz="2205"/>
+              <a:defRPr sz="2000"/>
             </a:lvl5pPr>
             <a:lvl6pPr>
-              <a:defRPr sz="2205"/>
+              <a:defRPr sz="2000"/>
             </a:lvl6pPr>
             <a:lvl7pPr>
-              <a:defRPr sz="2205"/>
+              <a:defRPr sz="2000"/>
             </a:lvl7pPr>
             <a:lvl8pPr>
-              <a:defRPr sz="2205"/>
+              <a:defRPr sz="2000"/>
             </a:lvl8pPr>
             <a:lvl9pPr>
-              <a:defRPr sz="2205"/>
+              <a:defRPr sz="2000"/>
             </a:lvl9pPr>
           </a:lstStyle>
           <a:p>
             <a:pPr lvl="0"/>
             <a:r>
-              <a:rPr lang="en-US"/>
-              <a:t>Edit Master text styles</a:t>
+              <a:rPr lang="en-US" altLang="zh-CN"/>
+              <a:t>Click to edit Master text styles</a:t>
             </a:r>
           </a:p>
           <a:p>
             <a:pPr lvl="1"/>
             <a:r>
-              <a:rPr lang="en-US"/>
+              <a:rPr lang="en-US" altLang="zh-CN"/>
               <a:t>Second level</a:t>
             </a:r>
           </a:p>
           <a:p>
             <a:pPr lvl="2"/>
             <a:r>
-              <a:rPr lang="en-US"/>
+              <a:rPr lang="en-US" altLang="zh-CN"/>
               <a:t>Third level</a:t>
             </a:r>
           </a:p>
           <a:p>
             <a:pPr lvl="3"/>
             <a:r>
-              <a:rPr lang="en-US"/>
+              <a:rPr lang="en-US" altLang="zh-CN"/>
               <a:t>Fourth level</a:t>
             </a:r>
           </a:p>
           <a:p>
             <a:pPr lvl="4"/>
             <a:r>
-              <a:rPr lang="en-US"/>
+              <a:rPr lang="en-US" altLang="zh-CN"/>
               <a:t>Fifth level</a:t>
             </a:r>
-            <a:endParaRPr lang="en-US" dirty="0"/>
-          </a:p>
-        </p:txBody>
-      </p:sp>
-      <p:sp>
-        <p:nvSpPr>
-          <p:cNvPr id="4" name="Text Placeholder 3"/>
+            <a:endParaRPr lang="zh-CN" altLang="en-US"/>
+          </a:p>
+        </p:txBody>
+      </p:sp>
+      <p:sp>
+        <p:nvSpPr>
+          <p:cNvPr id="4" name="Text Placeholder 3">
+            <a:extLst>
+              <a:ext uri="{FF2B5EF4-FFF2-40B4-BE49-F238E27FC236}">
+                <a16:creationId xmlns:a16="http://schemas.microsoft.com/office/drawing/2014/main" id="{50C467EA-5E2D-487E-B9FC-CB53AF007D40}"/>
+              </a:ext>
+            </a:extLst>
+          </p:cNvPr>
           <p:cNvSpPr>
             <a:spLocks noGrp="1"/>
           </p:cNvSpPr>
@@ -2503,8 +2785,8 @@
         </p:nvSpPr>
         <p:spPr>
           <a:xfrm>
-            <a:off x="694356" y="2699862"/>
-            <a:ext cx="3251264" cy="5001827"/>
+            <a:off x="839788" y="2057400"/>
+            <a:ext cx="3932237" cy="3811588"/>
           </a:xfrm>
         </p:spPr>
         <p:txBody>
@@ -2512,53 +2794,59 @@
           <a:lstStyle>
             <a:lvl1pPr marL="0" indent="0">
               <a:buNone/>
-              <a:defRPr sz="1764"/>
+              <a:defRPr sz="1600"/>
             </a:lvl1pPr>
-            <a:lvl2pPr marL="504017" indent="0">
-              <a:buNone/>
-              <a:defRPr sz="1543"/>
+            <a:lvl2pPr marL="457200" indent="0">
+              <a:buNone/>
+              <a:defRPr sz="1400"/>
             </a:lvl2pPr>
-            <a:lvl3pPr marL="1008035" indent="0">
-              <a:buNone/>
-              <a:defRPr sz="1323"/>
+            <a:lvl3pPr marL="914400" indent="0">
+              <a:buNone/>
+              <a:defRPr sz="1200"/>
             </a:lvl3pPr>
-            <a:lvl4pPr marL="1512052" indent="0">
-              <a:buNone/>
-              <a:defRPr sz="1102"/>
+            <a:lvl4pPr marL="1371600" indent="0">
+              <a:buNone/>
+              <a:defRPr sz="1000"/>
             </a:lvl4pPr>
-            <a:lvl5pPr marL="2016069" indent="0">
-              <a:buNone/>
-              <a:defRPr sz="1102"/>
+            <a:lvl5pPr marL="1828800" indent="0">
+              <a:buNone/>
+              <a:defRPr sz="1000"/>
             </a:lvl5pPr>
-            <a:lvl6pPr marL="2520086" indent="0">
-              <a:buNone/>
-              <a:defRPr sz="1102"/>
+            <a:lvl6pPr marL="2286000" indent="0">
+              <a:buNone/>
+              <a:defRPr sz="1000"/>
             </a:lvl6pPr>
-            <a:lvl7pPr marL="3024104" indent="0">
-              <a:buNone/>
-              <a:defRPr sz="1102"/>
+            <a:lvl7pPr marL="2743200" indent="0">
+              <a:buNone/>
+              <a:defRPr sz="1000"/>
             </a:lvl7pPr>
-            <a:lvl8pPr marL="3528121" indent="0">
-              <a:buNone/>
-              <a:defRPr sz="1102"/>
+            <a:lvl8pPr marL="3200400" indent="0">
+              <a:buNone/>
+              <a:defRPr sz="1000"/>
             </a:lvl8pPr>
-            <a:lvl9pPr marL="4032138" indent="0">
-              <a:buNone/>
-              <a:defRPr sz="1102"/>
+            <a:lvl9pPr marL="3657600" indent="0">
+              <a:buNone/>
+              <a:defRPr sz="1000"/>
             </a:lvl9pPr>
           </a:lstStyle>
           <a:p>
             <a:pPr lvl="0"/>
             <a:r>
-              <a:rPr lang="en-US"/>
-              <a:t>Edit Master text styles</a:t>
-            </a:r>
-          </a:p>
-        </p:txBody>
-      </p:sp>
-      <p:sp>
-        <p:nvSpPr>
-          <p:cNvPr id="5" name="Date Placeholder 4"/>
+              <a:rPr lang="en-US" altLang="zh-CN"/>
+              <a:t>Click to edit Master text styles</a:t>
+            </a:r>
+          </a:p>
+        </p:txBody>
+      </p:sp>
+      <p:sp>
+        <p:nvSpPr>
+          <p:cNvPr id="5" name="Date Placeholder 4">
+            <a:extLst>
+              <a:ext uri="{FF2B5EF4-FFF2-40B4-BE49-F238E27FC236}">
+                <a16:creationId xmlns:a16="http://schemas.microsoft.com/office/drawing/2014/main" id="{CB8E6E50-BFD1-45A0-B83B-7083EB84F918}"/>
+              </a:ext>
+            </a:extLst>
+          </p:cNvPr>
           <p:cNvSpPr>
             <a:spLocks noGrp="1"/>
           </p:cNvSpPr>
@@ -2573,7 +2861,7 @@
           <a:p>
             <a:fld id="{C21F6666-3EDE-4E8B-BC82-F371B9B084D1}" type="datetimeFigureOut">
               <a:rPr lang="zh-CN" altLang="en-US" smtClean="0"/>
-              <a:t>2021/10/19</a:t>
+              <a:t>2021/10/22</a:t>
             </a:fld>
             <a:endParaRPr lang="zh-CN" altLang="en-US"/>
           </a:p>
@@ -2581,7 +2869,13 @@
       </p:sp>
       <p:sp>
         <p:nvSpPr>
-          <p:cNvPr id="6" name="Footer Placeholder 5"/>
+          <p:cNvPr id="6" name="Footer Placeholder 5">
+            <a:extLst>
+              <a:ext uri="{FF2B5EF4-FFF2-40B4-BE49-F238E27FC236}">
+                <a16:creationId xmlns:a16="http://schemas.microsoft.com/office/drawing/2014/main" id="{6BA97DAD-DCC3-4D5B-8E98-4DE6C49D9C26}"/>
+              </a:ext>
+            </a:extLst>
+          </p:cNvPr>
           <p:cNvSpPr>
             <a:spLocks noGrp="1"/>
           </p:cNvSpPr>
@@ -2600,7 +2894,13 @@
       </p:sp>
       <p:sp>
         <p:nvSpPr>
-          <p:cNvPr id="7" name="Slide Number Placeholder 6"/>
+          <p:cNvPr id="7" name="Slide Number Placeholder 6">
+            <a:extLst>
+              <a:ext uri="{FF2B5EF4-FFF2-40B4-BE49-F238E27FC236}">
+                <a16:creationId xmlns:a16="http://schemas.microsoft.com/office/drawing/2014/main" id="{CC139971-D0FB-446A-B437-1D560A32589A}"/>
+              </a:ext>
+            </a:extLst>
+          </p:cNvPr>
           <p:cNvSpPr>
             <a:spLocks noGrp="1"/>
           </p:cNvSpPr>
@@ -2624,7 +2924,7 @@
     </p:spTree>
     <p:extLst>
       <p:ext uri="{BB962C8B-B14F-4D97-AF65-F5344CB8AC3E}">
-        <p14:creationId xmlns:p14="http://schemas.microsoft.com/office/powerpoint/2010/main" val="1206518660"/>
+        <p14:creationId xmlns:p14="http://schemas.microsoft.com/office/powerpoint/2010/main" val="3437144337"/>
       </p:ext>
     </p:extLst>
   </p:cSld>
@@ -2653,7 +2953,13 @@
       </p:grpSpPr>
       <p:sp>
         <p:nvSpPr>
-          <p:cNvPr id="2" name="Title 1"/>
+          <p:cNvPr id="2" name="Title 1">
+            <a:extLst>
+              <a:ext uri="{FF2B5EF4-FFF2-40B4-BE49-F238E27FC236}">
+                <a16:creationId xmlns:a16="http://schemas.microsoft.com/office/drawing/2014/main" id="{F42A5285-CF29-46C7-A963-89D0F0257C7F}"/>
+              </a:ext>
+            </a:extLst>
+          </p:cNvPr>
           <p:cNvSpPr>
             <a:spLocks noGrp="1"/>
           </p:cNvSpPr>
@@ -2663,31 +2969,37 @@
         </p:nvSpPr>
         <p:spPr>
           <a:xfrm>
-            <a:off x="694356" y="599969"/>
-            <a:ext cx="3251264" cy="2099892"/>
+            <a:off x="839788" y="457200"/>
+            <a:ext cx="3932237" cy="1600200"/>
           </a:xfrm>
         </p:spPr>
         <p:txBody>
           <a:bodyPr anchor="b"/>
           <a:lstStyle>
             <a:lvl1pPr>
-              <a:defRPr sz="3528"/>
+              <a:defRPr sz="3200"/>
             </a:lvl1pPr>
           </a:lstStyle>
           <a:p>
             <a:r>
-              <a:rPr lang="en-US"/>
+              <a:rPr lang="en-US" altLang="zh-CN"/>
               <a:t>Click to edit Master title style</a:t>
             </a:r>
-            <a:endParaRPr lang="en-US" dirty="0"/>
-          </a:p>
-        </p:txBody>
-      </p:sp>
-      <p:sp>
-        <p:nvSpPr>
-          <p:cNvPr id="3" name="Picture Placeholder 2"/>
-          <p:cNvSpPr>
-            <a:spLocks noGrp="1" noChangeAspect="1"/>
+            <a:endParaRPr lang="zh-CN" altLang="en-US"/>
+          </a:p>
+        </p:txBody>
+      </p:sp>
+      <p:sp>
+        <p:nvSpPr>
+          <p:cNvPr id="3" name="Picture Placeholder 2">
+            <a:extLst>
+              <a:ext uri="{FF2B5EF4-FFF2-40B4-BE49-F238E27FC236}">
+                <a16:creationId xmlns:a16="http://schemas.microsoft.com/office/drawing/2014/main" id="{038B5DA4-9885-475F-B6EF-FC36DAFAD491}"/>
+              </a:ext>
+            </a:extLst>
+          </p:cNvPr>
+          <p:cNvSpPr>
+            <a:spLocks noGrp="1"/>
           </p:cNvSpPr>
           <p:nvPr>
             <p:ph type="pic" idx="1"/>
@@ -2695,62 +3007,64 @@
         </p:nvSpPr>
         <p:spPr>
           <a:xfrm>
-            <a:off x="4285579" y="1295769"/>
-            <a:ext cx="5103316" cy="6395505"/>
+            <a:off x="5183188" y="987425"/>
+            <a:ext cx="6172200" cy="4873625"/>
           </a:xfrm>
         </p:spPr>
         <p:txBody>
-          <a:bodyPr anchor="t"/>
+          <a:bodyPr/>
           <a:lstStyle>
             <a:lvl1pPr marL="0" indent="0">
               <a:buNone/>
-              <a:defRPr sz="3528"/>
+              <a:defRPr sz="3200"/>
             </a:lvl1pPr>
-            <a:lvl2pPr marL="504017" indent="0">
-              <a:buNone/>
-              <a:defRPr sz="3087"/>
+            <a:lvl2pPr marL="457200" indent="0">
+              <a:buNone/>
+              <a:defRPr sz="2800"/>
             </a:lvl2pPr>
-            <a:lvl3pPr marL="1008035" indent="0">
-              <a:buNone/>
-              <a:defRPr sz="2646"/>
+            <a:lvl3pPr marL="914400" indent="0">
+              <a:buNone/>
+              <a:defRPr sz="2400"/>
             </a:lvl3pPr>
-            <a:lvl4pPr marL="1512052" indent="0">
-              <a:buNone/>
-              <a:defRPr sz="2205"/>
+            <a:lvl4pPr marL="1371600" indent="0">
+              <a:buNone/>
+              <a:defRPr sz="2000"/>
             </a:lvl4pPr>
-            <a:lvl5pPr marL="2016069" indent="0">
-              <a:buNone/>
-              <a:defRPr sz="2205"/>
+            <a:lvl5pPr marL="1828800" indent="0">
+              <a:buNone/>
+              <a:defRPr sz="2000"/>
             </a:lvl5pPr>
-            <a:lvl6pPr marL="2520086" indent="0">
-              <a:buNone/>
-              <a:defRPr sz="2205"/>
+            <a:lvl6pPr marL="2286000" indent="0">
+              <a:buNone/>
+              <a:defRPr sz="2000"/>
             </a:lvl6pPr>
-            <a:lvl7pPr marL="3024104" indent="0">
-              <a:buNone/>
-              <a:defRPr sz="2205"/>
+            <a:lvl7pPr marL="2743200" indent="0">
+              <a:buNone/>
+              <a:defRPr sz="2000"/>
             </a:lvl7pPr>
-            <a:lvl8pPr marL="3528121" indent="0">
-              <a:buNone/>
-              <a:defRPr sz="2205"/>
+            <a:lvl8pPr marL="3200400" indent="0">
+              <a:buNone/>
+              <a:defRPr sz="2000"/>
             </a:lvl8pPr>
-            <a:lvl9pPr marL="4032138" indent="0">
-              <a:buNone/>
-              <a:defRPr sz="2205"/>
+            <a:lvl9pPr marL="3657600" indent="0">
+              <a:buNone/>
+              <a:defRPr sz="2000"/>
             </a:lvl9pPr>
           </a:lstStyle>
           <a:p>
-            <a:r>
-              <a:rPr lang="en-US"/>
-              <a:t>Click icon to add picture</a:t>
-            </a:r>
-            <a:endParaRPr lang="en-US" dirty="0"/>
-          </a:p>
-        </p:txBody>
-      </p:sp>
-      <p:sp>
-        <p:nvSpPr>
-          <p:cNvPr id="4" name="Text Placeholder 3"/>
+            <a:endParaRPr lang="zh-CN" altLang="en-US"/>
+          </a:p>
+        </p:txBody>
+      </p:sp>
+      <p:sp>
+        <p:nvSpPr>
+          <p:cNvPr id="4" name="Text Placeholder 3">
+            <a:extLst>
+              <a:ext uri="{FF2B5EF4-FFF2-40B4-BE49-F238E27FC236}">
+                <a16:creationId xmlns:a16="http://schemas.microsoft.com/office/drawing/2014/main" id="{B2F1136A-B117-4571-B66C-35DD2A25FFFD}"/>
+              </a:ext>
+            </a:extLst>
+          </p:cNvPr>
           <p:cNvSpPr>
             <a:spLocks noGrp="1"/>
           </p:cNvSpPr>
@@ -2760,8 +3074,8 @@
         </p:nvSpPr>
         <p:spPr>
           <a:xfrm>
-            <a:off x="694356" y="2699862"/>
-            <a:ext cx="3251264" cy="5001827"/>
+            <a:off x="839788" y="2057400"/>
+            <a:ext cx="3932237" cy="3811588"/>
           </a:xfrm>
         </p:spPr>
         <p:txBody>
@@ -2769,53 +3083,59 @@
           <a:lstStyle>
             <a:lvl1pPr marL="0" indent="0">
               <a:buNone/>
-              <a:defRPr sz="1764"/>
+              <a:defRPr sz="1600"/>
             </a:lvl1pPr>
-            <a:lvl2pPr marL="504017" indent="0">
-              <a:buNone/>
-              <a:defRPr sz="1543"/>
+            <a:lvl2pPr marL="457200" indent="0">
+              <a:buNone/>
+              <a:defRPr sz="1400"/>
             </a:lvl2pPr>
-            <a:lvl3pPr marL="1008035" indent="0">
-              <a:buNone/>
-              <a:defRPr sz="1323"/>
+            <a:lvl3pPr marL="914400" indent="0">
+              <a:buNone/>
+              <a:defRPr sz="1200"/>
             </a:lvl3pPr>
-            <a:lvl4pPr marL="1512052" indent="0">
-              <a:buNone/>
-              <a:defRPr sz="1102"/>
+            <a:lvl4pPr marL="1371600" indent="0">
+              <a:buNone/>
+              <a:defRPr sz="1000"/>
             </a:lvl4pPr>
-            <a:lvl5pPr marL="2016069" indent="0">
-              <a:buNone/>
-              <a:defRPr sz="1102"/>
+            <a:lvl5pPr marL="1828800" indent="0">
+              <a:buNone/>
+              <a:defRPr sz="1000"/>
             </a:lvl5pPr>
-            <a:lvl6pPr marL="2520086" indent="0">
-              <a:buNone/>
-              <a:defRPr sz="1102"/>
+            <a:lvl6pPr marL="2286000" indent="0">
+              <a:buNone/>
+              <a:defRPr sz="1000"/>
             </a:lvl6pPr>
-            <a:lvl7pPr marL="3024104" indent="0">
-              <a:buNone/>
-              <a:defRPr sz="1102"/>
+            <a:lvl7pPr marL="2743200" indent="0">
+              <a:buNone/>
+              <a:defRPr sz="1000"/>
             </a:lvl7pPr>
-            <a:lvl8pPr marL="3528121" indent="0">
-              <a:buNone/>
-              <a:defRPr sz="1102"/>
+            <a:lvl8pPr marL="3200400" indent="0">
+              <a:buNone/>
+              <a:defRPr sz="1000"/>
             </a:lvl8pPr>
-            <a:lvl9pPr marL="4032138" indent="0">
-              <a:buNone/>
-              <a:defRPr sz="1102"/>
+            <a:lvl9pPr marL="3657600" indent="0">
+              <a:buNone/>
+              <a:defRPr sz="1000"/>
             </a:lvl9pPr>
           </a:lstStyle>
           <a:p>
             <a:pPr lvl="0"/>
             <a:r>
-              <a:rPr lang="en-US"/>
-              <a:t>Edit Master text styles</a:t>
-            </a:r>
-          </a:p>
-        </p:txBody>
-      </p:sp>
-      <p:sp>
-        <p:nvSpPr>
-          <p:cNvPr id="5" name="Date Placeholder 4"/>
+              <a:rPr lang="en-US" altLang="zh-CN"/>
+              <a:t>Click to edit Master text styles</a:t>
+            </a:r>
+          </a:p>
+        </p:txBody>
+      </p:sp>
+      <p:sp>
+        <p:nvSpPr>
+          <p:cNvPr id="5" name="Date Placeholder 4">
+            <a:extLst>
+              <a:ext uri="{FF2B5EF4-FFF2-40B4-BE49-F238E27FC236}">
+                <a16:creationId xmlns:a16="http://schemas.microsoft.com/office/drawing/2014/main" id="{A2E150BC-8D66-4228-8D2A-87A7AD7E8992}"/>
+              </a:ext>
+            </a:extLst>
+          </p:cNvPr>
           <p:cNvSpPr>
             <a:spLocks noGrp="1"/>
           </p:cNvSpPr>
@@ -2830,7 +3150,7 @@
           <a:p>
             <a:fld id="{C21F6666-3EDE-4E8B-BC82-F371B9B084D1}" type="datetimeFigureOut">
               <a:rPr lang="zh-CN" altLang="en-US" smtClean="0"/>
-              <a:t>2021/10/19</a:t>
+              <a:t>2021/10/22</a:t>
             </a:fld>
             <a:endParaRPr lang="zh-CN" altLang="en-US"/>
           </a:p>
@@ -2838,7 +3158,13 @@
       </p:sp>
       <p:sp>
         <p:nvSpPr>
-          <p:cNvPr id="6" name="Footer Placeholder 5"/>
+          <p:cNvPr id="6" name="Footer Placeholder 5">
+            <a:extLst>
+              <a:ext uri="{FF2B5EF4-FFF2-40B4-BE49-F238E27FC236}">
+                <a16:creationId xmlns:a16="http://schemas.microsoft.com/office/drawing/2014/main" id="{7DB5FB84-C11A-4C59-BFBC-B0EFC6766FDA}"/>
+              </a:ext>
+            </a:extLst>
+          </p:cNvPr>
           <p:cNvSpPr>
             <a:spLocks noGrp="1"/>
           </p:cNvSpPr>
@@ -2857,7 +3183,13 @@
       </p:sp>
       <p:sp>
         <p:nvSpPr>
-          <p:cNvPr id="7" name="Slide Number Placeholder 6"/>
+          <p:cNvPr id="7" name="Slide Number Placeholder 6">
+            <a:extLst>
+              <a:ext uri="{FF2B5EF4-FFF2-40B4-BE49-F238E27FC236}">
+                <a16:creationId xmlns:a16="http://schemas.microsoft.com/office/drawing/2014/main" id="{55D4EE1E-E112-43C1-B307-B53D7D683C32}"/>
+              </a:ext>
+            </a:extLst>
+          </p:cNvPr>
           <p:cNvSpPr>
             <a:spLocks noGrp="1"/>
           </p:cNvSpPr>
@@ -2881,7 +3213,7 @@
     </p:spTree>
     <p:extLst>
       <p:ext uri="{BB962C8B-B14F-4D97-AF65-F5344CB8AC3E}">
-        <p14:creationId xmlns:p14="http://schemas.microsoft.com/office/powerpoint/2010/main" val="934500647"/>
+        <p14:creationId xmlns:p14="http://schemas.microsoft.com/office/powerpoint/2010/main" val="4128018453"/>
       </p:ext>
     </p:extLst>
   </p:cSld>
@@ -2915,7 +3247,13 @@
       </p:grpSpPr>
       <p:sp>
         <p:nvSpPr>
-          <p:cNvPr id="2" name="Title Placeholder 1"/>
+          <p:cNvPr id="2" name="Title Placeholder 1">
+            <a:extLst>
+              <a:ext uri="{FF2B5EF4-FFF2-40B4-BE49-F238E27FC236}">
+                <a16:creationId xmlns:a16="http://schemas.microsoft.com/office/drawing/2014/main" id="{3AFB7550-214B-4E52-A71B-49872A62A617}"/>
+              </a:ext>
+            </a:extLst>
+          </p:cNvPr>
           <p:cNvSpPr>
             <a:spLocks noGrp="1"/>
           </p:cNvSpPr>
@@ -2925,8 +3263,8 @@
         </p:nvSpPr>
         <p:spPr>
           <a:xfrm>
-            <a:off x="693043" y="479144"/>
-            <a:ext cx="8694539" cy="1739495"/>
+            <a:off x="838200" y="365125"/>
+            <a:ext cx="10515600" cy="1325563"/>
           </a:xfrm>
           <a:prstGeom prst="rect">
             <a:avLst/>
@@ -2939,16 +3277,22 @@
           <a:lstStyle/>
           <a:p>
             <a:r>
-              <a:rPr lang="en-US"/>
+              <a:rPr lang="en-US" altLang="zh-CN"/>
               <a:t>Click to edit Master title style</a:t>
             </a:r>
-            <a:endParaRPr lang="en-US" dirty="0"/>
-          </a:p>
-        </p:txBody>
-      </p:sp>
-      <p:sp>
-        <p:nvSpPr>
-          <p:cNvPr id="3" name="Text Placeholder 2"/>
+            <a:endParaRPr lang="zh-CN" altLang="en-US"/>
+          </a:p>
+        </p:txBody>
+      </p:sp>
+      <p:sp>
+        <p:nvSpPr>
+          <p:cNvPr id="3" name="Text Placeholder 2">
+            <a:extLst>
+              <a:ext uri="{FF2B5EF4-FFF2-40B4-BE49-F238E27FC236}">
+                <a16:creationId xmlns:a16="http://schemas.microsoft.com/office/drawing/2014/main" id="{4CAD1181-15DC-4244-85BD-D8E29647CDD3}"/>
+              </a:ext>
+            </a:extLst>
+          </p:cNvPr>
           <p:cNvSpPr>
             <a:spLocks noGrp="1"/>
           </p:cNvSpPr>
@@ -2958,8 +3302,8 @@
         </p:nvSpPr>
         <p:spPr>
           <a:xfrm>
-            <a:off x="693043" y="2395710"/>
-            <a:ext cx="8694539" cy="5710124"/>
+            <a:off x="838200" y="1825625"/>
+            <a:ext cx="10515600" cy="4351338"/>
           </a:xfrm>
           <a:prstGeom prst="rect">
             <a:avLst/>
@@ -2973,44 +3317,50 @@
           <a:p>
             <a:pPr lvl="0"/>
             <a:r>
-              <a:rPr lang="en-US"/>
-              <a:t>Edit Master text styles</a:t>
+              <a:rPr lang="en-US" altLang="zh-CN"/>
+              <a:t>Click to edit Master text styles</a:t>
             </a:r>
           </a:p>
           <a:p>
             <a:pPr lvl="1"/>
             <a:r>
-              <a:rPr lang="en-US"/>
+              <a:rPr lang="en-US" altLang="zh-CN"/>
               <a:t>Second level</a:t>
             </a:r>
           </a:p>
           <a:p>
             <a:pPr lvl="2"/>
             <a:r>
-              <a:rPr lang="en-US"/>
+              <a:rPr lang="en-US" altLang="zh-CN"/>
               <a:t>Third level</a:t>
             </a:r>
           </a:p>
           <a:p>
             <a:pPr lvl="3"/>
             <a:r>
-              <a:rPr lang="en-US"/>
+              <a:rPr lang="en-US" altLang="zh-CN"/>
               <a:t>Fourth level</a:t>
             </a:r>
           </a:p>
           <a:p>
             <a:pPr lvl="4"/>
             <a:r>
-              <a:rPr lang="en-US"/>
+              <a:rPr lang="en-US" altLang="zh-CN"/>
               <a:t>Fifth level</a:t>
             </a:r>
-            <a:endParaRPr lang="en-US" dirty="0"/>
-          </a:p>
-        </p:txBody>
-      </p:sp>
-      <p:sp>
-        <p:nvSpPr>
-          <p:cNvPr id="4" name="Date Placeholder 3"/>
+            <a:endParaRPr lang="zh-CN" altLang="en-US"/>
+          </a:p>
+        </p:txBody>
+      </p:sp>
+      <p:sp>
+        <p:nvSpPr>
+          <p:cNvPr id="4" name="Date Placeholder 3">
+            <a:extLst>
+              <a:ext uri="{FF2B5EF4-FFF2-40B4-BE49-F238E27FC236}">
+                <a16:creationId xmlns:a16="http://schemas.microsoft.com/office/drawing/2014/main" id="{8C7A786D-9333-4C82-AB79-A73092C4D122}"/>
+              </a:ext>
+            </a:extLst>
+          </p:cNvPr>
           <p:cNvSpPr>
             <a:spLocks noGrp="1"/>
           </p:cNvSpPr>
@@ -3020,8 +3370,8 @@
         </p:nvSpPr>
         <p:spPr>
           <a:xfrm>
-            <a:off x="693043" y="8341240"/>
-            <a:ext cx="2268141" cy="479142"/>
+            <a:off x="838200" y="6356350"/>
+            <a:ext cx="2743200" cy="365125"/>
           </a:xfrm>
           <a:prstGeom prst="rect">
             <a:avLst/>
@@ -3031,7 +3381,7 @@
           <a:bodyPr vert="horz" lIns="91440" tIns="45720" rIns="91440" bIns="45720" rtlCol="0" anchor="ctr"/>
           <a:lstStyle>
             <a:lvl1pPr algn="l">
-              <a:defRPr sz="1323">
+              <a:defRPr sz="1200">
                 <a:solidFill>
                   <a:schemeClr val="tx1">
                     <a:tint val="75000"/>
@@ -3043,7 +3393,7 @@
           <a:p>
             <a:fld id="{C21F6666-3EDE-4E8B-BC82-F371B9B084D1}" type="datetimeFigureOut">
               <a:rPr lang="zh-CN" altLang="en-US" smtClean="0"/>
-              <a:t>2021/10/19</a:t>
+              <a:t>2021/10/22</a:t>
             </a:fld>
             <a:endParaRPr lang="zh-CN" altLang="en-US"/>
           </a:p>
@@ -3051,7 +3401,13 @@
       </p:sp>
       <p:sp>
         <p:nvSpPr>
-          <p:cNvPr id="5" name="Footer Placeholder 4"/>
+          <p:cNvPr id="5" name="Footer Placeholder 4">
+            <a:extLst>
+              <a:ext uri="{FF2B5EF4-FFF2-40B4-BE49-F238E27FC236}">
+                <a16:creationId xmlns:a16="http://schemas.microsoft.com/office/drawing/2014/main" id="{56980E30-2A5D-49FF-88BC-867C71B2154C}"/>
+              </a:ext>
+            </a:extLst>
+          </p:cNvPr>
           <p:cNvSpPr>
             <a:spLocks noGrp="1"/>
           </p:cNvSpPr>
@@ -3061,8 +3417,8 @@
         </p:nvSpPr>
         <p:spPr>
           <a:xfrm>
-            <a:off x="3339207" y="8341240"/>
-            <a:ext cx="3402211" cy="479142"/>
+            <a:off x="4038600" y="6356350"/>
+            <a:ext cx="4114800" cy="365125"/>
           </a:xfrm>
           <a:prstGeom prst="rect">
             <a:avLst/>
@@ -3072,7 +3428,7 @@
           <a:bodyPr vert="horz" lIns="91440" tIns="45720" rIns="91440" bIns="45720" rtlCol="0" anchor="ctr"/>
           <a:lstStyle>
             <a:lvl1pPr algn="ctr">
-              <a:defRPr sz="1323">
+              <a:defRPr sz="1200">
                 <a:solidFill>
                   <a:schemeClr val="tx1">
                     <a:tint val="75000"/>
@@ -3088,7 +3444,13 @@
       </p:sp>
       <p:sp>
         <p:nvSpPr>
-          <p:cNvPr id="6" name="Slide Number Placeholder 5"/>
+          <p:cNvPr id="6" name="Slide Number Placeholder 5">
+            <a:extLst>
+              <a:ext uri="{FF2B5EF4-FFF2-40B4-BE49-F238E27FC236}">
+                <a16:creationId xmlns:a16="http://schemas.microsoft.com/office/drawing/2014/main" id="{261F1D02-EFE4-41ED-A360-97DD742A32BE}"/>
+              </a:ext>
+            </a:extLst>
+          </p:cNvPr>
           <p:cNvSpPr>
             <a:spLocks noGrp="1"/>
           </p:cNvSpPr>
@@ -3098,8 +3460,8 @@
         </p:nvSpPr>
         <p:spPr>
           <a:xfrm>
-            <a:off x="7119441" y="8341240"/>
-            <a:ext cx="2268141" cy="479142"/>
+            <a:off x="8610600" y="6356350"/>
+            <a:ext cx="2743200" cy="365125"/>
           </a:xfrm>
           <a:prstGeom prst="rect">
             <a:avLst/>
@@ -3109,7 +3471,7 @@
           <a:bodyPr vert="horz" lIns="91440" tIns="45720" rIns="91440" bIns="45720" rtlCol="0" anchor="ctr"/>
           <a:lstStyle>
             <a:lvl1pPr algn="r">
-              <a:defRPr sz="1323">
+              <a:defRPr sz="1200">
                 <a:solidFill>
                   <a:schemeClr val="tx1">
                     <a:tint val="75000"/>
@@ -3130,27 +3492,27 @@
     </p:spTree>
     <p:extLst>
       <p:ext uri="{BB962C8B-B14F-4D97-AF65-F5344CB8AC3E}">
-        <p14:creationId xmlns:p14="http://schemas.microsoft.com/office/powerpoint/2010/main" val="1559324528"/>
+        <p14:creationId xmlns:p14="http://schemas.microsoft.com/office/powerpoint/2010/main" val="77800740"/>
       </p:ext>
     </p:extLst>
   </p:cSld>
   <p:clrMap bg1="lt1" tx1="dk1" bg2="lt2" tx2="dk2" accent1="accent1" accent2="accent2" accent3="accent3" accent4="accent4" accent5="accent5" accent6="accent6" hlink="hlink" folHlink="folHlink"/>
   <p:sldLayoutIdLst>
-    <p:sldLayoutId id="2147483661" r:id="rId1"/>
-    <p:sldLayoutId id="2147483662" r:id="rId2"/>
-    <p:sldLayoutId id="2147483663" r:id="rId3"/>
-    <p:sldLayoutId id="2147483664" r:id="rId4"/>
-    <p:sldLayoutId id="2147483665" r:id="rId5"/>
-    <p:sldLayoutId id="2147483666" r:id="rId6"/>
-    <p:sldLayoutId id="2147483667" r:id="rId7"/>
-    <p:sldLayoutId id="2147483668" r:id="rId8"/>
-    <p:sldLayoutId id="2147483669" r:id="rId9"/>
-    <p:sldLayoutId id="2147483670" r:id="rId10"/>
-    <p:sldLayoutId id="2147483671" r:id="rId11"/>
+    <p:sldLayoutId id="2147483649" r:id="rId1"/>
+    <p:sldLayoutId id="2147483650" r:id="rId2"/>
+    <p:sldLayoutId id="2147483651" r:id="rId3"/>
+    <p:sldLayoutId id="2147483652" r:id="rId4"/>
+    <p:sldLayoutId id="2147483653" r:id="rId5"/>
+    <p:sldLayoutId id="2147483654" r:id="rId6"/>
+    <p:sldLayoutId id="2147483655" r:id="rId7"/>
+    <p:sldLayoutId id="2147483656" r:id="rId8"/>
+    <p:sldLayoutId id="2147483657" r:id="rId9"/>
+    <p:sldLayoutId id="2147483658" r:id="rId10"/>
+    <p:sldLayoutId id="2147483659" r:id="rId11"/>
   </p:sldLayoutIdLst>
   <p:txStyles>
     <p:titleStyle>
-      <a:lvl1pPr algn="l" defTabSz="1008035" rtl="0" eaLnBrk="1" latinLnBrk="0" hangingPunct="1">
+      <a:lvl1pPr algn="l" defTabSz="914400" rtl="0" eaLnBrk="1" latinLnBrk="0" hangingPunct="1">
         <a:lnSpc>
           <a:spcPct val="90000"/>
         </a:lnSpc>
@@ -3158,7 +3520,7 @@
           <a:spcPct val="0"/>
         </a:spcBef>
         <a:buNone/>
-        <a:defRPr sz="4851" kern="1200">
+        <a:defRPr sz="4400" kern="1200">
           <a:solidFill>
             <a:schemeClr val="tx1"/>
           </a:solidFill>
@@ -3169,16 +3531,16 @@
       </a:lvl1pPr>
     </p:titleStyle>
     <p:bodyStyle>
-      <a:lvl1pPr marL="252009" indent="-252009" algn="l" defTabSz="1008035" rtl="0" eaLnBrk="1" latinLnBrk="0" hangingPunct="1">
+      <a:lvl1pPr marL="228600" indent="-228600" algn="l" defTabSz="914400" rtl="0" eaLnBrk="1" latinLnBrk="0" hangingPunct="1">
         <a:lnSpc>
           <a:spcPct val="90000"/>
         </a:lnSpc>
         <a:spcBef>
-          <a:spcPts val="1102"/>
+          <a:spcPts val="1000"/>
         </a:spcBef>
         <a:buFont typeface="Arial" panose="020B0604020202020204" pitchFamily="34" charset="0"/>
         <a:buChar char="•"/>
-        <a:defRPr sz="3087" kern="1200">
+        <a:defRPr sz="2800" kern="1200">
           <a:solidFill>
             <a:schemeClr val="tx1"/>
           </a:solidFill>
@@ -3187,16 +3549,16 @@
           <a:cs typeface="+mn-cs"/>
         </a:defRPr>
       </a:lvl1pPr>
-      <a:lvl2pPr marL="756026" indent="-252009" algn="l" defTabSz="1008035" rtl="0" eaLnBrk="1" latinLnBrk="0" hangingPunct="1">
+      <a:lvl2pPr marL="685800" indent="-228600" algn="l" defTabSz="914400" rtl="0" eaLnBrk="1" latinLnBrk="0" hangingPunct="1">
         <a:lnSpc>
           <a:spcPct val="90000"/>
         </a:lnSpc>
         <a:spcBef>
-          <a:spcPts val="551"/>
+          <a:spcPts val="500"/>
         </a:spcBef>
         <a:buFont typeface="Arial" panose="020B0604020202020204" pitchFamily="34" charset="0"/>
         <a:buChar char="•"/>
-        <a:defRPr sz="2646" kern="1200">
+        <a:defRPr sz="2400" kern="1200">
           <a:solidFill>
             <a:schemeClr val="tx1"/>
           </a:solidFill>
@@ -3205,16 +3567,16 @@
           <a:cs typeface="+mn-cs"/>
         </a:defRPr>
       </a:lvl2pPr>
-      <a:lvl3pPr marL="1260043" indent="-252009" algn="l" defTabSz="1008035" rtl="0" eaLnBrk="1" latinLnBrk="0" hangingPunct="1">
+      <a:lvl3pPr marL="1143000" indent="-228600" algn="l" defTabSz="914400" rtl="0" eaLnBrk="1" latinLnBrk="0" hangingPunct="1">
         <a:lnSpc>
           <a:spcPct val="90000"/>
         </a:lnSpc>
         <a:spcBef>
-          <a:spcPts val="551"/>
+          <a:spcPts val="500"/>
         </a:spcBef>
         <a:buFont typeface="Arial" panose="020B0604020202020204" pitchFamily="34" charset="0"/>
         <a:buChar char="•"/>
-        <a:defRPr sz="2205" kern="1200">
+        <a:defRPr sz="2000" kern="1200">
           <a:solidFill>
             <a:schemeClr val="tx1"/>
           </a:solidFill>
@@ -3223,16 +3585,16 @@
           <a:cs typeface="+mn-cs"/>
         </a:defRPr>
       </a:lvl3pPr>
-      <a:lvl4pPr marL="1764060" indent="-252009" algn="l" defTabSz="1008035" rtl="0" eaLnBrk="1" latinLnBrk="0" hangingPunct="1">
+      <a:lvl4pPr marL="1600200" indent="-228600" algn="l" defTabSz="914400" rtl="0" eaLnBrk="1" latinLnBrk="0" hangingPunct="1">
         <a:lnSpc>
           <a:spcPct val="90000"/>
         </a:lnSpc>
         <a:spcBef>
-          <a:spcPts val="551"/>
+          <a:spcPts val="500"/>
         </a:spcBef>
         <a:buFont typeface="Arial" panose="020B0604020202020204" pitchFamily="34" charset="0"/>
         <a:buChar char="•"/>
-        <a:defRPr sz="1984" kern="1200">
+        <a:defRPr sz="1800" kern="1200">
           <a:solidFill>
             <a:schemeClr val="tx1"/>
           </a:solidFill>
@@ -3241,16 +3603,16 @@
           <a:cs typeface="+mn-cs"/>
         </a:defRPr>
       </a:lvl4pPr>
-      <a:lvl5pPr marL="2268078" indent="-252009" algn="l" defTabSz="1008035" rtl="0" eaLnBrk="1" latinLnBrk="0" hangingPunct="1">
+      <a:lvl5pPr marL="2057400" indent="-228600" algn="l" defTabSz="914400" rtl="0" eaLnBrk="1" latinLnBrk="0" hangingPunct="1">
         <a:lnSpc>
           <a:spcPct val="90000"/>
         </a:lnSpc>
         <a:spcBef>
-          <a:spcPts val="551"/>
+          <a:spcPts val="500"/>
         </a:spcBef>
         <a:buFont typeface="Arial" panose="020B0604020202020204" pitchFamily="34" charset="0"/>
         <a:buChar char="•"/>
-        <a:defRPr sz="1984" kern="1200">
+        <a:defRPr sz="1800" kern="1200">
           <a:solidFill>
             <a:schemeClr val="tx1"/>
           </a:solidFill>
@@ -3259,16 +3621,16 @@
           <a:cs typeface="+mn-cs"/>
         </a:defRPr>
       </a:lvl5pPr>
-      <a:lvl6pPr marL="2772095" indent="-252009" algn="l" defTabSz="1008035" rtl="0" eaLnBrk="1" latinLnBrk="0" hangingPunct="1">
+      <a:lvl6pPr marL="2514600" indent="-228600" algn="l" defTabSz="914400" rtl="0" eaLnBrk="1" latinLnBrk="0" hangingPunct="1">
         <a:lnSpc>
           <a:spcPct val="90000"/>
         </a:lnSpc>
         <a:spcBef>
-          <a:spcPts val="551"/>
+          <a:spcPts val="500"/>
         </a:spcBef>
         <a:buFont typeface="Arial" panose="020B0604020202020204" pitchFamily="34" charset="0"/>
         <a:buChar char="•"/>
-        <a:defRPr sz="1984" kern="1200">
+        <a:defRPr sz="1800" kern="1200">
           <a:solidFill>
             <a:schemeClr val="tx1"/>
           </a:solidFill>
@@ -3277,16 +3639,16 @@
           <a:cs typeface="+mn-cs"/>
         </a:defRPr>
       </a:lvl6pPr>
-      <a:lvl7pPr marL="3276112" indent="-252009" algn="l" defTabSz="1008035" rtl="0" eaLnBrk="1" latinLnBrk="0" hangingPunct="1">
+      <a:lvl7pPr marL="2971800" indent="-228600" algn="l" defTabSz="914400" rtl="0" eaLnBrk="1" latinLnBrk="0" hangingPunct="1">
         <a:lnSpc>
           <a:spcPct val="90000"/>
         </a:lnSpc>
         <a:spcBef>
-          <a:spcPts val="551"/>
+          <a:spcPts val="500"/>
         </a:spcBef>
         <a:buFont typeface="Arial" panose="020B0604020202020204" pitchFamily="34" charset="0"/>
         <a:buChar char="•"/>
-        <a:defRPr sz="1984" kern="1200">
+        <a:defRPr sz="1800" kern="1200">
           <a:solidFill>
             <a:schemeClr val="tx1"/>
           </a:solidFill>
@@ -3295,16 +3657,16 @@
           <a:cs typeface="+mn-cs"/>
         </a:defRPr>
       </a:lvl7pPr>
-      <a:lvl8pPr marL="3780130" indent="-252009" algn="l" defTabSz="1008035" rtl="0" eaLnBrk="1" latinLnBrk="0" hangingPunct="1">
+      <a:lvl8pPr marL="3429000" indent="-228600" algn="l" defTabSz="914400" rtl="0" eaLnBrk="1" latinLnBrk="0" hangingPunct="1">
         <a:lnSpc>
           <a:spcPct val="90000"/>
         </a:lnSpc>
         <a:spcBef>
-          <a:spcPts val="551"/>
+          <a:spcPts val="500"/>
         </a:spcBef>
         <a:buFont typeface="Arial" panose="020B0604020202020204" pitchFamily="34" charset="0"/>
         <a:buChar char="•"/>
-        <a:defRPr sz="1984" kern="1200">
+        <a:defRPr sz="1800" kern="1200">
           <a:solidFill>
             <a:schemeClr val="tx1"/>
           </a:solidFill>
@@ -3313,16 +3675,16 @@
           <a:cs typeface="+mn-cs"/>
         </a:defRPr>
       </a:lvl8pPr>
-      <a:lvl9pPr marL="4284147" indent="-252009" algn="l" defTabSz="1008035" rtl="0" eaLnBrk="1" latinLnBrk="0" hangingPunct="1">
+      <a:lvl9pPr marL="3886200" indent="-228600" algn="l" defTabSz="914400" rtl="0" eaLnBrk="1" latinLnBrk="0" hangingPunct="1">
         <a:lnSpc>
           <a:spcPct val="90000"/>
         </a:lnSpc>
         <a:spcBef>
-          <a:spcPts val="551"/>
+          <a:spcPts val="500"/>
         </a:spcBef>
         <a:buFont typeface="Arial" panose="020B0604020202020204" pitchFamily="34" charset="0"/>
         <a:buChar char="•"/>
-        <a:defRPr sz="1984" kern="1200">
+        <a:defRPr sz="1800" kern="1200">
           <a:solidFill>
             <a:schemeClr val="tx1"/>
           </a:solidFill>
@@ -3334,10 +3696,10 @@
     </p:bodyStyle>
     <p:otherStyle>
       <a:defPPr>
-        <a:defRPr lang="en-US"/>
+        <a:defRPr lang="zh-CN"/>
       </a:defPPr>
-      <a:lvl1pPr marL="0" algn="l" defTabSz="1008035" rtl="0" eaLnBrk="1" latinLnBrk="0" hangingPunct="1">
-        <a:defRPr sz="1984" kern="1200">
+      <a:lvl1pPr marL="0" algn="l" defTabSz="914400" rtl="0" eaLnBrk="1" latinLnBrk="0" hangingPunct="1">
+        <a:defRPr sz="1800" kern="1200">
           <a:solidFill>
             <a:schemeClr val="tx1"/>
           </a:solidFill>
@@ -3346,8 +3708,8 @@
           <a:cs typeface="+mn-cs"/>
         </a:defRPr>
       </a:lvl1pPr>
-      <a:lvl2pPr marL="504017" algn="l" defTabSz="1008035" rtl="0" eaLnBrk="1" latinLnBrk="0" hangingPunct="1">
-        <a:defRPr sz="1984" kern="1200">
+      <a:lvl2pPr marL="457200" algn="l" defTabSz="914400" rtl="0" eaLnBrk="1" latinLnBrk="0" hangingPunct="1">
+        <a:defRPr sz="1800" kern="1200">
           <a:solidFill>
             <a:schemeClr val="tx1"/>
           </a:solidFill>
@@ -3356,8 +3718,8 @@
           <a:cs typeface="+mn-cs"/>
         </a:defRPr>
       </a:lvl2pPr>
-      <a:lvl3pPr marL="1008035" algn="l" defTabSz="1008035" rtl="0" eaLnBrk="1" latinLnBrk="0" hangingPunct="1">
-        <a:defRPr sz="1984" kern="1200">
+      <a:lvl3pPr marL="914400" algn="l" defTabSz="914400" rtl="0" eaLnBrk="1" latinLnBrk="0" hangingPunct="1">
+        <a:defRPr sz="1800" kern="1200">
           <a:solidFill>
             <a:schemeClr val="tx1"/>
           </a:solidFill>
@@ -3366,8 +3728,8 @@
           <a:cs typeface="+mn-cs"/>
         </a:defRPr>
       </a:lvl3pPr>
-      <a:lvl4pPr marL="1512052" algn="l" defTabSz="1008035" rtl="0" eaLnBrk="1" latinLnBrk="0" hangingPunct="1">
-        <a:defRPr sz="1984" kern="1200">
+      <a:lvl4pPr marL="1371600" algn="l" defTabSz="914400" rtl="0" eaLnBrk="1" latinLnBrk="0" hangingPunct="1">
+        <a:defRPr sz="1800" kern="1200">
           <a:solidFill>
             <a:schemeClr val="tx1"/>
           </a:solidFill>
@@ -3376,8 +3738,8 @@
           <a:cs typeface="+mn-cs"/>
         </a:defRPr>
       </a:lvl4pPr>
-      <a:lvl5pPr marL="2016069" algn="l" defTabSz="1008035" rtl="0" eaLnBrk="1" latinLnBrk="0" hangingPunct="1">
-        <a:defRPr sz="1984" kern="1200">
+      <a:lvl5pPr marL="1828800" algn="l" defTabSz="914400" rtl="0" eaLnBrk="1" latinLnBrk="0" hangingPunct="1">
+        <a:defRPr sz="1800" kern="1200">
           <a:solidFill>
             <a:schemeClr val="tx1"/>
           </a:solidFill>
@@ -3386,8 +3748,8 @@
           <a:cs typeface="+mn-cs"/>
         </a:defRPr>
       </a:lvl5pPr>
-      <a:lvl6pPr marL="2520086" algn="l" defTabSz="1008035" rtl="0" eaLnBrk="1" latinLnBrk="0" hangingPunct="1">
-        <a:defRPr sz="1984" kern="1200">
+      <a:lvl6pPr marL="2286000" algn="l" defTabSz="914400" rtl="0" eaLnBrk="1" latinLnBrk="0" hangingPunct="1">
+        <a:defRPr sz="1800" kern="1200">
           <a:solidFill>
             <a:schemeClr val="tx1"/>
           </a:solidFill>
@@ -3396,8 +3758,8 @@
           <a:cs typeface="+mn-cs"/>
         </a:defRPr>
       </a:lvl6pPr>
-      <a:lvl7pPr marL="3024104" algn="l" defTabSz="1008035" rtl="0" eaLnBrk="1" latinLnBrk="0" hangingPunct="1">
-        <a:defRPr sz="1984" kern="1200">
+      <a:lvl7pPr marL="2743200" algn="l" defTabSz="914400" rtl="0" eaLnBrk="1" latinLnBrk="0" hangingPunct="1">
+        <a:defRPr sz="1800" kern="1200">
           <a:solidFill>
             <a:schemeClr val="tx1"/>
           </a:solidFill>
@@ -3406,8 +3768,8 @@
           <a:cs typeface="+mn-cs"/>
         </a:defRPr>
       </a:lvl7pPr>
-      <a:lvl8pPr marL="3528121" algn="l" defTabSz="1008035" rtl="0" eaLnBrk="1" latinLnBrk="0" hangingPunct="1">
-        <a:defRPr sz="1984" kern="1200">
+      <a:lvl8pPr marL="3200400" algn="l" defTabSz="914400" rtl="0" eaLnBrk="1" latinLnBrk="0" hangingPunct="1">
+        <a:defRPr sz="1800" kern="1200">
           <a:solidFill>
             <a:schemeClr val="tx1"/>
           </a:solidFill>
@@ -3416,8 +3778,8 @@
           <a:cs typeface="+mn-cs"/>
         </a:defRPr>
       </a:lvl8pPr>
-      <a:lvl9pPr marL="4032138" algn="l" defTabSz="1008035" rtl="0" eaLnBrk="1" latinLnBrk="0" hangingPunct="1">
-        <a:defRPr sz="1984" kern="1200">
+      <a:lvl9pPr marL="3657600" algn="l" defTabSz="914400" rtl="0" eaLnBrk="1" latinLnBrk="0" hangingPunct="1">
+        <a:defRPr sz="1800" kern="1200">
           <a:solidFill>
             <a:schemeClr val="tx1"/>
           </a:solidFill>
@@ -3448,94 +3810,564 @@
           <a:chExt cx="0" cy="0"/>
         </a:xfrm>
       </p:grpSpPr>
-      <p:pic>
-        <p:nvPicPr>
-          <p:cNvPr id="8" name="Picture 7" descr="Chart, treemap chart&#10;&#10;Description automatically generated">
-            <a:extLst>
-              <a:ext uri="{FF2B5EF4-FFF2-40B4-BE49-F238E27FC236}">
-                <a16:creationId xmlns:a16="http://schemas.microsoft.com/office/drawing/2014/main" id="{94BB96E7-8818-4041-AF68-5509A3113A8B}"/>
-              </a:ext>
-            </a:extLst>
-          </p:cNvPr>
-          <p:cNvPicPr>
-            <a:picLocks noChangeAspect="1"/>
-          </p:cNvPicPr>
+      <p:grpSp>
+        <p:nvGrpSpPr>
+          <p:cNvPr id="33" name="Group 32">
+            <a:extLst>
+              <a:ext uri="{FF2B5EF4-FFF2-40B4-BE49-F238E27FC236}">
+                <a16:creationId xmlns:a16="http://schemas.microsoft.com/office/drawing/2014/main" id="{4F3954B9-7FBD-4257-9090-4B92FE051F7F}"/>
+              </a:ext>
+            </a:extLst>
+          </p:cNvPr>
+          <p:cNvGrpSpPr/>
           <p:nvPr/>
-        </p:nvPicPr>
-        <p:blipFill>
-          <a:blip r:embed="rId3">
-            <a:extLst>
-              <a:ext uri="{28A0092B-C50C-407E-A947-70E740481C1C}">
-                <a14:useLocalDpi xmlns:a14="http://schemas.microsoft.com/office/drawing/2010/main" val="0"/>
-              </a:ext>
-            </a:extLst>
-          </a:blip>
-          <a:stretch>
-            <a:fillRect/>
-          </a:stretch>
-        </p:blipFill>
+        </p:nvGrpSpPr>
+        <p:grpSpPr>
+          <a:xfrm>
+            <a:off x="172719" y="134919"/>
+            <a:ext cx="11714094" cy="4360881"/>
+            <a:chOff x="50799" y="485439"/>
+            <a:chExt cx="11714094" cy="4360881"/>
+          </a:xfrm>
+        </p:grpSpPr>
+        <p:grpSp>
+          <p:nvGrpSpPr>
+            <p:cNvPr id="17" name="Group 16">
+              <a:extLst>
+                <a:ext uri="{FF2B5EF4-FFF2-40B4-BE49-F238E27FC236}">
+                  <a16:creationId xmlns:a16="http://schemas.microsoft.com/office/drawing/2014/main" id="{65CC78D6-1329-4376-BA5C-F6D386B7102C}"/>
+                </a:ext>
+              </a:extLst>
+            </p:cNvPr>
+            <p:cNvGrpSpPr/>
+            <p:nvPr/>
+          </p:nvGrpSpPr>
+          <p:grpSpPr>
+            <a:xfrm>
+              <a:off x="50799" y="752139"/>
+              <a:ext cx="8016241" cy="4094181"/>
+              <a:chOff x="91439" y="51099"/>
+              <a:chExt cx="12100560" cy="6131613"/>
+            </a:xfrm>
+          </p:grpSpPr>
+          <p:pic>
+            <p:nvPicPr>
+              <p:cNvPr id="9" name="Picture 8">
+                <a:extLst>
+                  <a:ext uri="{FF2B5EF4-FFF2-40B4-BE49-F238E27FC236}">
+                    <a16:creationId xmlns:a16="http://schemas.microsoft.com/office/drawing/2014/main" id="{D2233ACB-8412-4140-BD4E-12C603DC963C}"/>
+                  </a:ext>
+                </a:extLst>
+              </p:cNvPr>
+              <p:cNvPicPr>
+                <a:picLocks noChangeAspect="1"/>
+              </p:cNvPicPr>
+              <p:nvPr/>
+            </p:nvPicPr>
+            <p:blipFill rotWithShape="1">
+              <a:blip r:embed="rId3"/>
+              <a:srcRect l="3491"/>
+              <a:stretch/>
+            </p:blipFill>
+            <p:spPr>
+              <a:xfrm>
+                <a:off x="6145872" y="80134"/>
+                <a:ext cx="5906346" cy="1765162"/>
+              </a:xfrm>
+              <a:prstGeom prst="rect">
+                <a:avLst/>
+              </a:prstGeom>
+            </p:spPr>
+          </p:pic>
+          <p:pic>
+            <p:nvPicPr>
+              <p:cNvPr id="11" name="Picture 10">
+                <a:extLst>
+                  <a:ext uri="{FF2B5EF4-FFF2-40B4-BE49-F238E27FC236}">
+                    <a16:creationId xmlns:a16="http://schemas.microsoft.com/office/drawing/2014/main" id="{422F0399-2376-4B6F-8312-05B7DF01AC61}"/>
+                  </a:ext>
+                </a:extLst>
+              </p:cNvPr>
+              <p:cNvPicPr>
+                <a:picLocks noChangeAspect="1"/>
+              </p:cNvPicPr>
+              <p:nvPr/>
+            </p:nvPicPr>
+            <p:blipFill>
+              <a:blip r:embed="rId4"/>
+              <a:stretch>
+                <a:fillRect/>
+              </a:stretch>
+            </p:blipFill>
+            <p:spPr>
+              <a:xfrm>
+                <a:off x="5932219" y="1859810"/>
+                <a:ext cx="6120000" cy="1765162"/>
+              </a:xfrm>
+              <a:prstGeom prst="rect">
+                <a:avLst/>
+              </a:prstGeom>
+            </p:spPr>
+          </p:pic>
+          <p:pic>
+            <p:nvPicPr>
+              <p:cNvPr id="13" name="Picture 12">
+                <a:extLst>
+                  <a:ext uri="{FF2B5EF4-FFF2-40B4-BE49-F238E27FC236}">
+                    <a16:creationId xmlns:a16="http://schemas.microsoft.com/office/drawing/2014/main" id="{47A6C5F7-758E-4F5F-8315-4817B6F1C659}"/>
+                  </a:ext>
+                </a:extLst>
+              </p:cNvPr>
+              <p:cNvPicPr>
+                <a:picLocks noChangeAspect="1"/>
+              </p:cNvPicPr>
+              <p:nvPr/>
+            </p:nvPicPr>
+            <p:blipFill rotWithShape="1">
+              <a:blip r:embed="rId5"/>
+              <a:srcRect t="1" b="2795"/>
+              <a:stretch/>
+            </p:blipFill>
+            <p:spPr>
+              <a:xfrm>
+                <a:off x="5932219" y="3652746"/>
+                <a:ext cx="6120000" cy="1734640"/>
+              </a:xfrm>
+              <a:prstGeom prst="rect">
+                <a:avLst/>
+              </a:prstGeom>
+            </p:spPr>
+          </p:pic>
+          <p:pic>
+            <p:nvPicPr>
+              <p:cNvPr id="3" name="Picture 2">
+                <a:extLst>
+                  <a:ext uri="{FF2B5EF4-FFF2-40B4-BE49-F238E27FC236}">
+                    <a16:creationId xmlns:a16="http://schemas.microsoft.com/office/drawing/2014/main" id="{DE4BB1D2-D677-4EEA-9D4B-2616810160F7}"/>
+                  </a:ext>
+                </a:extLst>
+              </p:cNvPr>
+              <p:cNvPicPr>
+                <a:picLocks noChangeAspect="1"/>
+              </p:cNvPicPr>
+              <p:nvPr/>
+            </p:nvPicPr>
+            <p:blipFill rotWithShape="1">
+              <a:blip r:embed="rId6"/>
+              <a:srcRect l="2597" r="392"/>
+              <a:stretch/>
+            </p:blipFill>
+            <p:spPr>
+              <a:xfrm>
+                <a:off x="158879" y="51099"/>
+                <a:ext cx="5937121" cy="1800000"/>
+              </a:xfrm>
+              <a:prstGeom prst="rect">
+                <a:avLst/>
+              </a:prstGeom>
+            </p:spPr>
+          </p:pic>
+          <p:pic>
+            <p:nvPicPr>
+              <p:cNvPr id="5" name="Picture 4">
+                <a:extLst>
+                  <a:ext uri="{FF2B5EF4-FFF2-40B4-BE49-F238E27FC236}">
+                    <a16:creationId xmlns:a16="http://schemas.microsoft.com/office/drawing/2014/main" id="{BB9A14A6-800F-4906-A5D9-40611E55D82B}"/>
+                  </a:ext>
+                </a:extLst>
+              </p:cNvPr>
+              <p:cNvPicPr>
+                <a:picLocks noChangeAspect="1"/>
+              </p:cNvPicPr>
+              <p:nvPr/>
+            </p:nvPicPr>
+            <p:blipFill rotWithShape="1">
+              <a:blip r:embed="rId7"/>
+              <a:srcRect l="3491"/>
+              <a:stretch/>
+            </p:blipFill>
+            <p:spPr>
+              <a:xfrm>
+                <a:off x="213655" y="1851099"/>
+                <a:ext cx="5906346" cy="1780645"/>
+              </a:xfrm>
+              <a:prstGeom prst="rect">
+                <a:avLst/>
+              </a:prstGeom>
+            </p:spPr>
+          </p:pic>
+          <p:pic>
+            <p:nvPicPr>
+              <p:cNvPr id="7" name="Picture 6">
+                <a:extLst>
+                  <a:ext uri="{FF2B5EF4-FFF2-40B4-BE49-F238E27FC236}">
+                    <a16:creationId xmlns:a16="http://schemas.microsoft.com/office/drawing/2014/main" id="{C113D0EF-D18B-4E61-8391-3B2C61ECEB4E}"/>
+                  </a:ext>
+                </a:extLst>
+              </p:cNvPr>
+              <p:cNvPicPr>
+                <a:picLocks noChangeAspect="1"/>
+              </p:cNvPicPr>
+              <p:nvPr/>
+            </p:nvPicPr>
+            <p:blipFill rotWithShape="1">
+              <a:blip r:embed="rId8"/>
+              <a:srcRect l="2988"/>
+              <a:stretch/>
+            </p:blipFill>
+            <p:spPr>
+              <a:xfrm>
+                <a:off x="182879" y="3631744"/>
+                <a:ext cx="5937121" cy="1769032"/>
+              </a:xfrm>
+              <a:prstGeom prst="rect">
+                <a:avLst/>
+              </a:prstGeom>
+            </p:spPr>
+          </p:pic>
+          <p:pic>
+            <p:nvPicPr>
+              <p:cNvPr id="15" name="Picture 14">
+                <a:extLst>
+                  <a:ext uri="{FF2B5EF4-FFF2-40B4-BE49-F238E27FC236}">
+                    <a16:creationId xmlns:a16="http://schemas.microsoft.com/office/drawing/2014/main" id="{7B8ED84D-3854-49A7-954C-86AC3920D2EE}"/>
+                  </a:ext>
+                </a:extLst>
+              </p:cNvPr>
+              <p:cNvPicPr>
+                <a:picLocks noChangeAspect="1"/>
+              </p:cNvPicPr>
+              <p:nvPr/>
+            </p:nvPicPr>
+            <p:blipFill rotWithShape="1">
+              <a:blip r:embed="rId9"/>
+              <a:srcRect r="1494"/>
+              <a:stretch/>
+            </p:blipFill>
+            <p:spPr>
+              <a:xfrm>
+                <a:off x="91439" y="5400776"/>
+                <a:ext cx="6028561" cy="781936"/>
+              </a:xfrm>
+              <a:prstGeom prst="rect">
+                <a:avLst/>
+              </a:prstGeom>
+            </p:spPr>
+          </p:pic>
+          <p:pic>
+            <p:nvPicPr>
+              <p:cNvPr id="16" name="Picture 15">
+                <a:extLst>
+                  <a:ext uri="{FF2B5EF4-FFF2-40B4-BE49-F238E27FC236}">
+                    <a16:creationId xmlns:a16="http://schemas.microsoft.com/office/drawing/2014/main" id="{B7996AE2-3F0A-4772-B74F-84C10EEB980E}"/>
+                  </a:ext>
+                </a:extLst>
+              </p:cNvPr>
+              <p:cNvPicPr>
+                <a:picLocks noChangeAspect="1"/>
+              </p:cNvPicPr>
+              <p:nvPr/>
+            </p:nvPicPr>
+            <p:blipFill rotWithShape="1">
+              <a:blip r:embed="rId9"/>
+              <a:srcRect r="1494"/>
+              <a:stretch/>
+            </p:blipFill>
+            <p:spPr>
+              <a:xfrm>
+                <a:off x="6163438" y="5400776"/>
+                <a:ext cx="6028561" cy="781936"/>
+              </a:xfrm>
+              <a:prstGeom prst="rect">
+                <a:avLst/>
+              </a:prstGeom>
+            </p:spPr>
+          </p:pic>
+        </p:grpSp>
+        <p:grpSp>
+          <p:nvGrpSpPr>
+            <p:cNvPr id="30" name="Group 29">
+              <a:extLst>
+                <a:ext uri="{FF2B5EF4-FFF2-40B4-BE49-F238E27FC236}">
+                  <a16:creationId xmlns:a16="http://schemas.microsoft.com/office/drawing/2014/main" id="{8B741B3F-7387-4A01-B28A-BBA0F32E987C}"/>
+                </a:ext>
+              </a:extLst>
+            </p:cNvPr>
+            <p:cNvGrpSpPr/>
+            <p:nvPr/>
+          </p:nvGrpSpPr>
+          <p:grpSpPr>
+            <a:xfrm>
+              <a:off x="7991578" y="759807"/>
+              <a:ext cx="3773315" cy="3625477"/>
+              <a:chOff x="7991578" y="759807"/>
+              <a:chExt cx="3773315" cy="3625477"/>
+            </a:xfrm>
+          </p:grpSpPr>
+          <p:pic>
+            <p:nvPicPr>
+              <p:cNvPr id="21" name="Picture 20">
+                <a:extLst>
+                  <a:ext uri="{FF2B5EF4-FFF2-40B4-BE49-F238E27FC236}">
+                    <a16:creationId xmlns:a16="http://schemas.microsoft.com/office/drawing/2014/main" id="{0CC93EBC-D917-43FB-A15F-7B2556936F26}"/>
+                  </a:ext>
+                </a:extLst>
+              </p:cNvPr>
+              <p:cNvPicPr>
+                <a:picLocks noChangeAspect="1"/>
+              </p:cNvPicPr>
+              <p:nvPr/>
+            </p:nvPicPr>
+            <p:blipFill rotWithShape="1">
+              <a:blip r:embed="rId10"/>
+              <a:srcRect l="14872" r="10007"/>
+              <a:stretch/>
+            </p:blipFill>
+            <p:spPr>
+              <a:xfrm>
+                <a:off x="9900817" y="3159235"/>
+                <a:ext cx="1861284" cy="1214476"/>
+              </a:xfrm>
+              <a:prstGeom prst="rect">
+                <a:avLst/>
+              </a:prstGeom>
+            </p:spPr>
+          </p:pic>
+          <p:pic>
+            <p:nvPicPr>
+              <p:cNvPr id="23" name="Picture 22">
+                <a:extLst>
+                  <a:ext uri="{FF2B5EF4-FFF2-40B4-BE49-F238E27FC236}">
+                    <a16:creationId xmlns:a16="http://schemas.microsoft.com/office/drawing/2014/main" id="{75AEC079-EBC0-4E87-B9F9-662A7A53887D}"/>
+                  </a:ext>
+                </a:extLst>
+              </p:cNvPr>
+              <p:cNvPicPr>
+                <a:picLocks noChangeAspect="1"/>
+              </p:cNvPicPr>
+              <p:nvPr/>
+            </p:nvPicPr>
+            <p:blipFill rotWithShape="1">
+              <a:blip r:embed="rId11"/>
+              <a:srcRect l="13643" r="10251"/>
+              <a:stretch/>
+            </p:blipFill>
+            <p:spPr>
+              <a:xfrm>
+                <a:off x="7999200" y="3172332"/>
+                <a:ext cx="1885689" cy="1212952"/>
+              </a:xfrm>
+              <a:prstGeom prst="rect">
+                <a:avLst/>
+              </a:prstGeom>
+            </p:spPr>
+          </p:pic>
+          <p:pic>
+            <p:nvPicPr>
+              <p:cNvPr id="25" name="Picture 24">
+                <a:extLst>
+                  <a:ext uri="{FF2B5EF4-FFF2-40B4-BE49-F238E27FC236}">
+                    <a16:creationId xmlns:a16="http://schemas.microsoft.com/office/drawing/2014/main" id="{748C48C1-70D7-4464-851C-1DE86D576144}"/>
+                  </a:ext>
+                </a:extLst>
+              </p:cNvPr>
+              <p:cNvPicPr>
+                <a:picLocks noChangeAspect="1"/>
+              </p:cNvPicPr>
+              <p:nvPr/>
+            </p:nvPicPr>
+            <p:blipFill rotWithShape="1">
+              <a:blip r:embed="rId12"/>
+              <a:srcRect l="16701" r="10037"/>
+              <a:stretch/>
+            </p:blipFill>
+            <p:spPr>
+              <a:xfrm>
+                <a:off x="9943996" y="759808"/>
+                <a:ext cx="1815223" cy="1209905"/>
+              </a:xfrm>
+              <a:prstGeom prst="rect">
+                <a:avLst/>
+              </a:prstGeom>
+            </p:spPr>
+          </p:pic>
+          <p:pic>
+            <p:nvPicPr>
+              <p:cNvPr id="27" name="Picture 26">
+                <a:extLst>
+                  <a:ext uri="{FF2B5EF4-FFF2-40B4-BE49-F238E27FC236}">
+                    <a16:creationId xmlns:a16="http://schemas.microsoft.com/office/drawing/2014/main" id="{B6B1C0BF-D4E2-42DD-9B14-955D01443265}"/>
+                  </a:ext>
+                </a:extLst>
+              </p:cNvPr>
+              <p:cNvPicPr>
+                <a:picLocks noChangeAspect="1"/>
+              </p:cNvPicPr>
+              <p:nvPr/>
+            </p:nvPicPr>
+            <p:blipFill rotWithShape="1">
+              <a:blip r:embed="rId13"/>
+              <a:srcRect l="13285" r="9808"/>
+              <a:stretch/>
+            </p:blipFill>
+            <p:spPr>
+              <a:xfrm>
+                <a:off x="9859357" y="1954794"/>
+                <a:ext cx="1905536" cy="1212952"/>
+              </a:xfrm>
+              <a:prstGeom prst="rect">
+                <a:avLst/>
+              </a:prstGeom>
+            </p:spPr>
+          </p:pic>
+          <p:pic>
+            <p:nvPicPr>
+              <p:cNvPr id="29" name="Picture 28">
+                <a:extLst>
+                  <a:ext uri="{FF2B5EF4-FFF2-40B4-BE49-F238E27FC236}">
+                    <a16:creationId xmlns:a16="http://schemas.microsoft.com/office/drawing/2014/main" id="{B06DFD46-F33A-4252-9F3C-E1FB88D88C14}"/>
+                  </a:ext>
+                </a:extLst>
+              </p:cNvPr>
+              <p:cNvPicPr>
+                <a:picLocks noChangeAspect="1"/>
+              </p:cNvPicPr>
+              <p:nvPr/>
+            </p:nvPicPr>
+            <p:blipFill rotWithShape="1">
+              <a:blip r:embed="rId14"/>
+              <a:srcRect l="14434" r="9460"/>
+              <a:stretch/>
+            </p:blipFill>
+            <p:spPr>
+              <a:xfrm>
+                <a:off x="8014440" y="1951126"/>
+                <a:ext cx="1885689" cy="1193143"/>
+              </a:xfrm>
+              <a:prstGeom prst="rect">
+                <a:avLst/>
+              </a:prstGeom>
+            </p:spPr>
+          </p:pic>
+          <p:pic>
+            <p:nvPicPr>
+              <p:cNvPr id="19" name="Picture 18">
+                <a:extLst>
+                  <a:ext uri="{FF2B5EF4-FFF2-40B4-BE49-F238E27FC236}">
+                    <a16:creationId xmlns:a16="http://schemas.microsoft.com/office/drawing/2014/main" id="{0BC9EEBB-6998-4110-AAD4-180CCE3E03A6}"/>
+                  </a:ext>
+                </a:extLst>
+              </p:cNvPr>
+              <p:cNvPicPr>
+                <a:picLocks noChangeAspect="1"/>
+              </p:cNvPicPr>
+              <p:nvPr/>
+            </p:nvPicPr>
+            <p:blipFill rotWithShape="1">
+              <a:blip r:embed="rId15"/>
+              <a:srcRect l="13591" t="3490" r="10302"/>
+              <a:stretch/>
+            </p:blipFill>
+            <p:spPr>
+              <a:xfrm>
+                <a:off x="7991578" y="759807"/>
+                <a:ext cx="1885714" cy="1197092"/>
+              </a:xfrm>
+              <a:prstGeom prst="rect">
+                <a:avLst/>
+              </a:prstGeom>
+            </p:spPr>
+          </p:pic>
+        </p:grpSp>
+        <p:sp>
+          <p:nvSpPr>
+            <p:cNvPr id="31" name="TextBox 30">
+              <a:extLst>
+                <a:ext uri="{FF2B5EF4-FFF2-40B4-BE49-F238E27FC236}">
+                  <a16:creationId xmlns:a16="http://schemas.microsoft.com/office/drawing/2014/main" id="{EEA10160-186B-4D3D-8BF0-356A44C28CC9}"/>
+                </a:ext>
+              </a:extLst>
+            </p:cNvPr>
+            <p:cNvSpPr txBox="1"/>
+            <p:nvPr/>
+          </p:nvSpPr>
+          <p:spPr>
+            <a:xfrm>
+              <a:off x="50799" y="485439"/>
+              <a:ext cx="300082" cy="369332"/>
+            </a:xfrm>
+            <a:prstGeom prst="rect">
+              <a:avLst/>
+            </a:prstGeom>
+            <a:noFill/>
+          </p:spPr>
+          <p:txBody>
+            <a:bodyPr wrap="none" rtlCol="0">
+              <a:spAutoFit/>
+            </a:bodyPr>
+            <a:lstStyle/>
+            <a:p>
+              <a:r>
+                <a:rPr lang="en-US" altLang="zh-CN" dirty="0"/>
+                <a:t>a</a:t>
+              </a:r>
+              <a:endParaRPr lang="zh-CN" altLang="en-US" dirty="0"/>
+            </a:p>
+          </p:txBody>
+        </p:sp>
+        <p:sp>
+          <p:nvSpPr>
+            <p:cNvPr id="32" name="TextBox 31">
+              <a:extLst>
+                <a:ext uri="{FF2B5EF4-FFF2-40B4-BE49-F238E27FC236}">
+                  <a16:creationId xmlns:a16="http://schemas.microsoft.com/office/drawing/2014/main" id="{DF347968-4C06-4151-83A5-C9E03B4B4E9B}"/>
+                </a:ext>
+              </a:extLst>
+            </p:cNvPr>
+            <p:cNvSpPr txBox="1"/>
+            <p:nvPr/>
+          </p:nvSpPr>
+          <p:spPr>
+            <a:xfrm>
+              <a:off x="7924874" y="485439"/>
+              <a:ext cx="317716" cy="369332"/>
+            </a:xfrm>
+            <a:prstGeom prst="rect">
+              <a:avLst/>
+            </a:prstGeom>
+            <a:noFill/>
+          </p:spPr>
+          <p:txBody>
+            <a:bodyPr wrap="none" rtlCol="0">
+              <a:spAutoFit/>
+            </a:bodyPr>
+            <a:lstStyle/>
+            <a:p>
+              <a:r>
+                <a:rPr lang="en-US" altLang="zh-CN" dirty="0"/>
+                <a:t>b</a:t>
+              </a:r>
+              <a:endParaRPr lang="zh-CN" altLang="en-US" dirty="0"/>
+            </a:p>
+          </p:txBody>
+        </p:sp>
+      </p:grpSp>
+      <p:sp>
+        <p:nvSpPr>
+          <p:cNvPr id="2" name="TextBox 1">
+            <a:extLst>
+              <a:ext uri="{FF2B5EF4-FFF2-40B4-BE49-F238E27FC236}">
+                <a16:creationId xmlns:a16="http://schemas.microsoft.com/office/drawing/2014/main" id="{0756A8A8-EEBE-45DB-9C47-2CB11729A211}"/>
+              </a:ext>
+            </a:extLst>
+          </p:cNvPr>
+          <p:cNvSpPr txBox="1"/>
+          <p:nvPr/>
+        </p:nvSpPr>
         <p:spPr>
           <a:xfrm>
-            <a:off x="4695283" y="343769"/>
-            <a:ext cx="4957298" cy="5153517"/>
-          </a:xfrm>
-          <a:prstGeom prst="rect">
-            <a:avLst/>
-          </a:prstGeom>
-        </p:spPr>
-      </p:pic>
-      <p:pic>
-        <p:nvPicPr>
-          <p:cNvPr id="9" name="Picture 8" descr="A picture containing treemap chart&#10;&#10;Description automatically generated">
-            <a:extLst>
-              <a:ext uri="{FF2B5EF4-FFF2-40B4-BE49-F238E27FC236}">
-                <a16:creationId xmlns:a16="http://schemas.microsoft.com/office/drawing/2014/main" id="{2A2F113A-5859-4BDD-BC6B-AD608F9D6ED2}"/>
-              </a:ext>
-            </a:extLst>
-          </p:cNvPr>
-          <p:cNvPicPr>
-            <a:picLocks noChangeAspect="1"/>
-          </p:cNvPicPr>
-          <p:nvPr/>
-        </p:nvPicPr>
-        <p:blipFill>
-          <a:blip r:embed="rId4">
-            <a:extLst>
-              <a:ext uri="{28A0092B-C50C-407E-A947-70E740481C1C}">
-                <a14:useLocalDpi xmlns:a14="http://schemas.microsoft.com/office/drawing/2010/main" val="0"/>
-              </a:ext>
-            </a:extLst>
-          </a:blip>
-          <a:stretch>
-            <a:fillRect/>
-          </a:stretch>
-        </p:blipFill>
-        <p:spPr>
-          <a:xfrm>
-            <a:off x="113453" y="282328"/>
-            <a:ext cx="4581830" cy="6353047"/>
-          </a:xfrm>
-          <a:prstGeom prst="rect">
-            <a:avLst/>
-          </a:prstGeom>
-        </p:spPr>
-      </p:pic>
-      <p:sp>
-        <p:nvSpPr>
-          <p:cNvPr id="10" name="TextBox 9">
-            <a:extLst>
-              <a:ext uri="{FF2B5EF4-FFF2-40B4-BE49-F238E27FC236}">
-                <a16:creationId xmlns:a16="http://schemas.microsoft.com/office/drawing/2014/main" id="{B06425E1-278B-4401-A510-0DDB0E0C7DE6}"/>
-              </a:ext>
-            </a:extLst>
-          </p:cNvPr>
-          <p:cNvSpPr txBox="1"/>
-          <p:nvPr/>
-        </p:nvSpPr>
-        <p:spPr>
-          <a:xfrm>
-            <a:off x="4826198" y="82273"/>
-            <a:ext cx="338554" cy="400110"/>
+            <a:off x="253683" y="5052060"/>
+            <a:ext cx="11450637" cy="338554"/>
           </a:xfrm>
           <a:prstGeom prst="rect">
             <a:avLst/>
@@ -3543,78 +4375,6 @@
           <a:noFill/>
         </p:spPr>
         <p:txBody>
-          <a:bodyPr wrap="none" rtlCol="0">
-            <a:spAutoFit/>
-          </a:bodyPr>
-          <a:lstStyle/>
-          <a:p>
-            <a:r>
-              <a:rPr lang="en-US" altLang="zh-CN" sz="2000" b="1" dirty="0"/>
-              <a:t>b</a:t>
-            </a:r>
-            <a:endParaRPr lang="zh-CN" altLang="en-US" sz="2000" b="1" dirty="0"/>
-          </a:p>
-        </p:txBody>
-      </p:sp>
-      <p:sp>
-        <p:nvSpPr>
-          <p:cNvPr id="11" name="TextBox 10">
-            <a:extLst>
-              <a:ext uri="{FF2B5EF4-FFF2-40B4-BE49-F238E27FC236}">
-                <a16:creationId xmlns:a16="http://schemas.microsoft.com/office/drawing/2014/main" id="{1EC06CD3-972B-46A6-8232-73415F25DD8E}"/>
-              </a:ext>
-            </a:extLst>
-          </p:cNvPr>
-          <p:cNvSpPr txBox="1"/>
-          <p:nvPr/>
-        </p:nvSpPr>
-        <p:spPr>
-          <a:xfrm>
-            <a:off x="186880" y="82273"/>
-            <a:ext cx="319318" cy="400110"/>
-          </a:xfrm>
-          <a:prstGeom prst="rect">
-            <a:avLst/>
-          </a:prstGeom>
-          <a:noFill/>
-        </p:spPr>
-        <p:txBody>
-          <a:bodyPr wrap="none" rtlCol="0">
-            <a:spAutoFit/>
-          </a:bodyPr>
-          <a:lstStyle/>
-          <a:p>
-            <a:r>
-              <a:rPr lang="en-US" altLang="zh-CN" sz="2000" b="1" dirty="0"/>
-              <a:t>a</a:t>
-            </a:r>
-            <a:endParaRPr lang="zh-CN" altLang="en-US" sz="2000" b="1" dirty="0"/>
-          </a:p>
-        </p:txBody>
-      </p:sp>
-      <p:sp>
-        <p:nvSpPr>
-          <p:cNvPr id="12" name="TextBox 11">
-            <a:extLst>
-              <a:ext uri="{FF2B5EF4-FFF2-40B4-BE49-F238E27FC236}">
-                <a16:creationId xmlns:a16="http://schemas.microsoft.com/office/drawing/2014/main" id="{5A298850-AC1D-497D-A34C-82EEC869F4D6}"/>
-              </a:ext>
-            </a:extLst>
-          </p:cNvPr>
-          <p:cNvSpPr txBox="1"/>
-          <p:nvPr/>
-        </p:nvSpPr>
-        <p:spPr>
-          <a:xfrm>
-            <a:off x="186880" y="6835430"/>
-            <a:ext cx="1415452" cy="338554"/>
-          </a:xfrm>
-          <a:prstGeom prst="rect">
-            <a:avLst/>
-          </a:prstGeom>
-          <a:noFill/>
-        </p:spPr>
-        <p:txBody>
           <a:bodyPr wrap="square" rtlCol="0">
             <a:spAutoFit/>
           </a:bodyPr>
@@ -3622,7 +4382,7 @@
           <a:p>
             <a:r>
               <a:rPr lang="en-US" sz="1600" b="1" dirty="0"/>
-              <a:t>S figure 3  </a:t>
+              <a:t>S figure 3 </a:t>
             </a:r>
             <a:endParaRPr lang="en-HK" sz="1600" b="1" dirty="0"/>
           </a:p>
@@ -3644,7 +4404,7 @@
 <file path=ppt/theme/theme1.xml><?xml version="1.0" encoding="utf-8"?>
 <a:theme xmlns:a="http://schemas.openxmlformats.org/drawingml/2006/main" name="Office Theme">
   <a:themeElements>
-    <a:clrScheme name="Office Theme">
+    <a:clrScheme name="Office">
       <a:dk1>
         <a:sysClr val="windowText" lastClr="000000"/>
       </a:dk1>
@@ -3682,9 +4442,9 @@
         <a:srgbClr val="954F72"/>
       </a:folHlink>
     </a:clrScheme>
-    <a:fontScheme name="Office Theme">
+    <a:fontScheme name="Office">
       <a:majorFont>
-        <a:latin typeface="Calibri Light" panose="020F0302020204030204"/>
+        <a:latin typeface="等线 Light" panose="020F0302020204030204"/>
         <a:ea typeface=""/>
         <a:cs typeface=""/>
         <a:font script="Jpan" typeface="游ゴシック Light"/>
@@ -3717,9 +4477,26 @@
         <a:font script="Viet" typeface="Times New Roman"/>
         <a:font script="Uigh" typeface="Microsoft Uighur"/>
         <a:font script="Geor" typeface="Sylfaen"/>
+        <a:font script="Armn" typeface="Arial"/>
+        <a:font script="Bugi" typeface="Leelawadee UI"/>
+        <a:font script="Bopo" typeface="Microsoft JhengHei"/>
+        <a:font script="Java" typeface="Javanese Text"/>
+        <a:font script="Lisu" typeface="Segoe UI"/>
+        <a:font script="Mymr" typeface="Myanmar Text"/>
+        <a:font script="Nkoo" typeface="Ebrima"/>
+        <a:font script="Olck" typeface="Nirmala UI"/>
+        <a:font script="Osma" typeface="Ebrima"/>
+        <a:font script="Phag" typeface="Phagspa"/>
+        <a:font script="Syrn" typeface="Estrangelo Edessa"/>
+        <a:font script="Syrj" typeface="Estrangelo Edessa"/>
+        <a:font script="Syre" typeface="Estrangelo Edessa"/>
+        <a:font script="Sora" typeface="Nirmala UI"/>
+        <a:font script="Tale" typeface="Microsoft Tai Le"/>
+        <a:font script="Talu" typeface="Microsoft New Tai Lue"/>
+        <a:font script="Tfng" typeface="Ebrima"/>
       </a:majorFont>
       <a:minorFont>
-        <a:latin typeface="Calibri" panose="020F0502020204030204"/>
+        <a:latin typeface="等线" panose="020F0502020204030204"/>
         <a:ea typeface=""/>
         <a:cs typeface=""/>
         <a:font script="Jpan" typeface="游ゴシック"/>
@@ -3752,9 +4529,26 @@
         <a:font script="Viet" typeface="Arial"/>
         <a:font script="Uigh" typeface="Microsoft Uighur"/>
         <a:font script="Geor" typeface="Sylfaen"/>
+        <a:font script="Armn" typeface="Arial"/>
+        <a:font script="Bugi" typeface="Leelawadee UI"/>
+        <a:font script="Bopo" typeface="Microsoft JhengHei"/>
+        <a:font script="Java" typeface="Javanese Text"/>
+        <a:font script="Lisu" typeface="Segoe UI"/>
+        <a:font script="Mymr" typeface="Myanmar Text"/>
+        <a:font script="Nkoo" typeface="Ebrima"/>
+        <a:font script="Olck" typeface="Nirmala UI"/>
+        <a:font script="Osma" typeface="Ebrima"/>
+        <a:font script="Phag" typeface="Phagspa"/>
+        <a:font script="Syrn" typeface="Estrangelo Edessa"/>
+        <a:font script="Syrj" typeface="Estrangelo Edessa"/>
+        <a:font script="Syre" typeface="Estrangelo Edessa"/>
+        <a:font script="Sora" typeface="Nirmala UI"/>
+        <a:font script="Tale" typeface="Microsoft Tai Le"/>
+        <a:font script="Talu" typeface="Microsoft New Tai Lue"/>
+        <a:font script="Tfng" typeface="Ebrima"/>
       </a:minorFont>
     </a:fontScheme>
-    <a:fmtScheme name="Office Theme">
+    <a:fmtScheme name="Office">
       <a:fillStyleLst>
         <a:solidFill>
           <a:schemeClr val="phClr"/>
